--- a/pics/2020-02-13-Students_t_test/pics.pptx
+++ b/pics/2020-02-13-Students_t_test/pics.pptx
@@ -6,6 +6,7 @@
   </p:sldMasterIdLst>
   <p:sldIdLst>
     <p:sldId id="256" r:id="rId2"/>
+    <p:sldId id="257" r:id="rId3"/>
   </p:sldIdLst>
   <p:sldSz cx="9144000" cy="6858000" type="screen4x3"/>
   <p:notesSz cx="6858000" cy="9144000"/>
@@ -3009,6 +3010,238 @@
 </p:sld>
 </file>
 
+<file path=ppt/slides/slide2.xml><?xml version="1.0" encoding="utf-8"?>
+<p:sld xmlns:a="http://schemas.openxmlformats.org/drawingml/2006/main" xmlns:r="http://schemas.openxmlformats.org/officeDocument/2006/relationships" xmlns:p="http://schemas.openxmlformats.org/presentationml/2006/main">
+  <p:cSld>
+    <p:spTree>
+      <p:nvGrpSpPr>
+        <p:cNvPr id="1" name=""/>
+        <p:cNvGrpSpPr/>
+        <p:nvPr/>
+      </p:nvGrpSpPr>
+      <p:grpSpPr>
+        <a:xfrm>
+          <a:off x="0" y="0"/>
+          <a:ext cx="0" cy="0"/>
+          <a:chOff x="0" y="0"/>
+          <a:chExt cx="0" cy="0"/>
+        </a:xfrm>
+      </p:grpSpPr>
+      <p:pic>
+        <p:nvPicPr>
+          <p:cNvPr id="17" name="그림 16">
+            <a:extLst>
+              <a:ext uri="{FF2B5EF4-FFF2-40B4-BE49-F238E27FC236}">
+                <a16:creationId xmlns:a16="http://schemas.microsoft.com/office/drawing/2014/main" id="{ADF065B7-D2F8-4969-AFB7-013CC0CA8F94}"/>
+              </a:ext>
+            </a:extLst>
+          </p:cNvPr>
+          <p:cNvPicPr>
+            <a:picLocks noChangeAspect="1"/>
+          </p:cNvPicPr>
+          <p:nvPr/>
+        </p:nvPicPr>
+        <p:blipFill>
+          <a:blip r:embed="rId2"/>
+          <a:stretch>
+            <a:fillRect/>
+          </a:stretch>
+        </p:blipFill>
+        <p:spPr>
+          <a:xfrm>
+            <a:off x="1697977" y="2306675"/>
+            <a:ext cx="5748046" cy="2232734"/>
+          </a:xfrm>
+          <a:prstGeom prst="rect">
+            <a:avLst/>
+          </a:prstGeom>
+        </p:spPr>
+      </p:pic>
+      <p:cxnSp>
+        <p:nvCxnSpPr>
+          <p:cNvPr id="19" name="직선 화살표 연결선 18">
+            <a:extLst>
+              <a:ext uri="{FF2B5EF4-FFF2-40B4-BE49-F238E27FC236}">
+                <a16:creationId xmlns:a16="http://schemas.microsoft.com/office/drawing/2014/main" id="{C31D1531-F4F7-4183-B0CD-AD87020E87BD}"/>
+              </a:ext>
+            </a:extLst>
+          </p:cNvPr>
+          <p:cNvCxnSpPr/>
+          <p:nvPr/>
+        </p:nvCxnSpPr>
+        <p:spPr>
+          <a:xfrm>
+            <a:off x="3926403" y="2670048"/>
+            <a:ext cx="1114410" cy="0"/>
+          </a:xfrm>
+          <a:prstGeom prst="straightConnector1">
+            <a:avLst/>
+          </a:prstGeom>
+          <a:ln w="38100">
+            <a:solidFill>
+              <a:srgbClr val="FF0000"/>
+            </a:solidFill>
+            <a:headEnd type="triangle" w="med" len="med"/>
+            <a:tailEnd type="triangle" w="med" len="med"/>
+          </a:ln>
+        </p:spPr>
+        <p:style>
+          <a:lnRef idx="1">
+            <a:schemeClr val="accent1"/>
+          </a:lnRef>
+          <a:fillRef idx="0">
+            <a:schemeClr val="accent1"/>
+          </a:fillRef>
+          <a:effectRef idx="0">
+            <a:schemeClr val="accent1"/>
+          </a:effectRef>
+          <a:fontRef idx="minor">
+            <a:schemeClr val="tx1"/>
+          </a:fontRef>
+        </p:style>
+      </p:cxnSp>
+      <p:sp>
+        <p:nvSpPr>
+          <p:cNvPr id="20" name="TextBox 19">
+            <a:extLst>
+              <a:ext uri="{FF2B5EF4-FFF2-40B4-BE49-F238E27FC236}">
+                <a16:creationId xmlns:a16="http://schemas.microsoft.com/office/drawing/2014/main" id="{023B2AFE-4EBF-46C1-98FC-A3FE54BCA088}"/>
+              </a:ext>
+            </a:extLst>
+          </p:cNvPr>
+          <p:cNvSpPr txBox="1"/>
+          <p:nvPr/>
+        </p:nvSpPr>
+        <p:spPr>
+          <a:xfrm>
+            <a:off x="4318500" y="2119560"/>
+            <a:ext cx="1444626" cy="369332"/>
+          </a:xfrm>
+          <a:prstGeom prst="rect">
+            <a:avLst/>
+          </a:prstGeom>
+          <a:solidFill>
+            <a:schemeClr val="bg1"/>
+          </a:solidFill>
+          <a:ln w="28575">
+            <a:solidFill>
+              <a:srgbClr val="FF0000"/>
+            </a:solidFill>
+          </a:ln>
+        </p:spPr>
+        <p:txBody>
+          <a:bodyPr wrap="none" rtlCol="0">
+            <a:spAutoFit/>
+          </a:bodyPr>
+          <a:lstStyle/>
+          <a:p>
+            <a:r>
+              <a:rPr lang="ko-KR" altLang="en-US" dirty="0"/>
+              <a:t>그룹 간 편차</a:t>
+            </a:r>
+          </a:p>
+        </p:txBody>
+      </p:sp>
+      <p:cxnSp>
+        <p:nvCxnSpPr>
+          <p:cNvPr id="21" name="직선 화살표 연결선 20">
+            <a:extLst>
+              <a:ext uri="{FF2B5EF4-FFF2-40B4-BE49-F238E27FC236}">
+                <a16:creationId xmlns:a16="http://schemas.microsoft.com/office/drawing/2014/main" id="{04E1FB0F-5101-4353-B4FB-FBA10C135932}"/>
+              </a:ext>
+            </a:extLst>
+          </p:cNvPr>
+          <p:cNvCxnSpPr>
+            <a:cxnSpLocks/>
+          </p:cNvCxnSpPr>
+          <p:nvPr/>
+        </p:nvCxnSpPr>
+        <p:spPr>
+          <a:xfrm>
+            <a:off x="3457590" y="3802380"/>
+            <a:ext cx="937626" cy="0"/>
+          </a:xfrm>
+          <a:prstGeom prst="straightConnector1">
+            <a:avLst/>
+          </a:prstGeom>
+          <a:ln w="38100">
+            <a:solidFill>
+              <a:schemeClr val="accent6"/>
+            </a:solidFill>
+            <a:headEnd type="triangle" w="med" len="med"/>
+            <a:tailEnd type="triangle" w="med" len="med"/>
+          </a:ln>
+        </p:spPr>
+        <p:style>
+          <a:lnRef idx="1">
+            <a:schemeClr val="accent1"/>
+          </a:lnRef>
+          <a:fillRef idx="0">
+            <a:schemeClr val="accent1"/>
+          </a:fillRef>
+          <a:effectRef idx="0">
+            <a:schemeClr val="accent1"/>
+          </a:effectRef>
+          <a:fontRef idx="minor">
+            <a:schemeClr val="tx1"/>
+          </a:fontRef>
+        </p:style>
+      </p:cxnSp>
+      <p:sp>
+        <p:nvSpPr>
+          <p:cNvPr id="30" name="TextBox 29">
+            <a:extLst>
+              <a:ext uri="{FF2B5EF4-FFF2-40B4-BE49-F238E27FC236}">
+                <a16:creationId xmlns:a16="http://schemas.microsoft.com/office/drawing/2014/main" id="{A3208993-DA19-471E-82A6-8987578615F8}"/>
+              </a:ext>
+            </a:extLst>
+          </p:cNvPr>
+          <p:cNvSpPr txBox="1"/>
+          <p:nvPr/>
+        </p:nvSpPr>
+        <p:spPr>
+          <a:xfrm>
+            <a:off x="2544777" y="3244334"/>
+            <a:ext cx="1444626" cy="369332"/>
+          </a:xfrm>
+          <a:prstGeom prst="rect">
+            <a:avLst/>
+          </a:prstGeom>
+          <a:solidFill>
+            <a:schemeClr val="bg1"/>
+          </a:solidFill>
+          <a:ln w="28575">
+            <a:solidFill>
+              <a:schemeClr val="accent6"/>
+            </a:solidFill>
+          </a:ln>
+        </p:spPr>
+        <p:txBody>
+          <a:bodyPr wrap="none" rtlCol="0">
+            <a:spAutoFit/>
+          </a:bodyPr>
+          <a:lstStyle/>
+          <a:p>
+            <a:r>
+              <a:rPr lang="ko-KR" altLang="en-US" dirty="0"/>
+              <a:t>그룹 내 편차</a:t>
+            </a:r>
+          </a:p>
+        </p:txBody>
+      </p:sp>
+    </p:spTree>
+    <p:extLst>
+      <p:ext uri="{BB962C8B-B14F-4D97-AF65-F5344CB8AC3E}">
+        <p14:creationId xmlns:p14="http://schemas.microsoft.com/office/powerpoint/2010/main" val="1205332347"/>
+      </p:ext>
+    </p:extLst>
+  </p:cSld>
+  <p:clrMapOvr>
+    <a:masterClrMapping/>
+  </p:clrMapOvr>
+</p:sld>
+</file>
+
 <file path=ppt/theme/theme1.xml><?xml version="1.0" encoding="utf-8"?>
 <a:theme xmlns:a="http://schemas.openxmlformats.org/drawingml/2006/main" name="Office 테마">
   <a:themeElements>

--- a/pics/2020-02-13-Students_t_test/pics.pptx
+++ b/pics/2020-02-13-Students_t_test/pics.pptx
@@ -7,6 +7,7 @@
   <p:sldIdLst>
     <p:sldId id="256" r:id="rId2"/>
     <p:sldId id="257" r:id="rId3"/>
+    <p:sldId id="258" r:id="rId4"/>
   </p:sldIdLst>
   <p:sldSz cx="9144000" cy="6858000" type="screen4x3"/>
   <p:notesSz cx="6858000" cy="9144000"/>
@@ -105,6 +106,11 @@
       </a:defRPr>
     </a:lvl9pPr>
   </p:defaultTextStyle>
+  <p:extLst>
+    <p:ext uri="{EFAFB233-063F-42B5-8137-9DF3F51BA10A}">
+      <p15:sldGuideLst xmlns:p15="http://schemas.microsoft.com/office/powerpoint/2012/main"/>
+    </p:ext>
+  </p:extLst>
 </p:presentation>
 </file>
 
@@ -239,7 +245,7 @@
           <a:p>
             <a:fld id="{63BD1D83-48CC-42D0-AB36-0F80C9FDD5DB}" type="datetimeFigureOut">
               <a:rPr lang="ko-KR" altLang="en-US" smtClean="0"/>
-              <a:t>2020-02-13</a:t>
+              <a:t>2020-02-14</a:t>
             </a:fld>
             <a:endParaRPr lang="ko-KR" altLang="en-US"/>
           </a:p>
@@ -409,7 +415,7 @@
           <a:p>
             <a:fld id="{63BD1D83-48CC-42D0-AB36-0F80C9FDD5DB}" type="datetimeFigureOut">
               <a:rPr lang="ko-KR" altLang="en-US" smtClean="0"/>
-              <a:t>2020-02-13</a:t>
+              <a:t>2020-02-14</a:t>
             </a:fld>
             <a:endParaRPr lang="ko-KR" altLang="en-US"/>
           </a:p>
@@ -589,7 +595,7 @@
           <a:p>
             <a:fld id="{63BD1D83-48CC-42D0-AB36-0F80C9FDD5DB}" type="datetimeFigureOut">
               <a:rPr lang="ko-KR" altLang="en-US" smtClean="0"/>
-              <a:t>2020-02-13</a:t>
+              <a:t>2020-02-14</a:t>
             </a:fld>
             <a:endParaRPr lang="ko-KR" altLang="en-US"/>
           </a:p>
@@ -759,7 +765,7 @@
           <a:p>
             <a:fld id="{63BD1D83-48CC-42D0-AB36-0F80C9FDD5DB}" type="datetimeFigureOut">
               <a:rPr lang="ko-KR" altLang="en-US" smtClean="0"/>
-              <a:t>2020-02-13</a:t>
+              <a:t>2020-02-14</a:t>
             </a:fld>
             <a:endParaRPr lang="ko-KR" altLang="en-US"/>
           </a:p>
@@ -1003,7 +1009,7 @@
           <a:p>
             <a:fld id="{63BD1D83-48CC-42D0-AB36-0F80C9FDD5DB}" type="datetimeFigureOut">
               <a:rPr lang="ko-KR" altLang="en-US" smtClean="0"/>
-              <a:t>2020-02-13</a:t>
+              <a:t>2020-02-14</a:t>
             </a:fld>
             <a:endParaRPr lang="ko-KR" altLang="en-US"/>
           </a:p>
@@ -1235,7 +1241,7 @@
           <a:p>
             <a:fld id="{63BD1D83-48CC-42D0-AB36-0F80C9FDD5DB}" type="datetimeFigureOut">
               <a:rPr lang="ko-KR" altLang="en-US" smtClean="0"/>
-              <a:t>2020-02-13</a:t>
+              <a:t>2020-02-14</a:t>
             </a:fld>
             <a:endParaRPr lang="ko-KR" altLang="en-US"/>
           </a:p>
@@ -1602,7 +1608,7 @@
           <a:p>
             <a:fld id="{63BD1D83-48CC-42D0-AB36-0F80C9FDD5DB}" type="datetimeFigureOut">
               <a:rPr lang="ko-KR" altLang="en-US" smtClean="0"/>
-              <a:t>2020-02-13</a:t>
+              <a:t>2020-02-14</a:t>
             </a:fld>
             <a:endParaRPr lang="ko-KR" altLang="en-US"/>
           </a:p>
@@ -1720,7 +1726,7 @@
           <a:p>
             <a:fld id="{63BD1D83-48CC-42D0-AB36-0F80C9FDD5DB}" type="datetimeFigureOut">
               <a:rPr lang="ko-KR" altLang="en-US" smtClean="0"/>
-              <a:t>2020-02-13</a:t>
+              <a:t>2020-02-14</a:t>
             </a:fld>
             <a:endParaRPr lang="ko-KR" altLang="en-US"/>
           </a:p>
@@ -1815,7 +1821,7 @@
           <a:p>
             <a:fld id="{63BD1D83-48CC-42D0-AB36-0F80C9FDD5DB}" type="datetimeFigureOut">
               <a:rPr lang="ko-KR" altLang="en-US" smtClean="0"/>
-              <a:t>2020-02-13</a:t>
+              <a:t>2020-02-14</a:t>
             </a:fld>
             <a:endParaRPr lang="ko-KR" altLang="en-US"/>
           </a:p>
@@ -2092,7 +2098,7 @@
           <a:p>
             <a:fld id="{63BD1D83-48CC-42D0-AB36-0F80C9FDD5DB}" type="datetimeFigureOut">
               <a:rPr lang="ko-KR" altLang="en-US" smtClean="0"/>
-              <a:t>2020-02-13</a:t>
+              <a:t>2020-02-14</a:t>
             </a:fld>
             <a:endParaRPr lang="ko-KR" altLang="en-US"/>
           </a:p>
@@ -2349,7 +2355,7 @@
           <a:p>
             <a:fld id="{63BD1D83-48CC-42D0-AB36-0F80C9FDD5DB}" type="datetimeFigureOut">
               <a:rPr lang="ko-KR" altLang="en-US" smtClean="0"/>
-              <a:t>2020-02-13</a:t>
+              <a:t>2020-02-14</a:t>
             </a:fld>
             <a:endParaRPr lang="ko-KR" altLang="en-US"/>
           </a:p>
@@ -2562,7 +2568,7 @@
           <a:p>
             <a:fld id="{63BD1D83-48CC-42D0-AB36-0F80C9FDD5DB}" type="datetimeFigureOut">
               <a:rPr lang="ko-KR" altLang="en-US" smtClean="0"/>
-              <a:t>2020-02-13</a:t>
+              <a:t>2020-02-14</a:t>
             </a:fld>
             <a:endParaRPr lang="ko-KR" altLang="en-US"/>
           </a:p>
@@ -3242,6 +3248,602 @@
 </p:sld>
 </file>
 
+<file path=ppt/slides/slide3.xml><?xml version="1.0" encoding="utf-8"?>
+<p:sld xmlns:a="http://schemas.openxmlformats.org/drawingml/2006/main" xmlns:r="http://schemas.openxmlformats.org/officeDocument/2006/relationships" xmlns:p="http://schemas.openxmlformats.org/presentationml/2006/main">
+  <p:cSld>
+    <p:spTree>
+      <p:nvGrpSpPr>
+        <p:cNvPr id="1" name=""/>
+        <p:cNvGrpSpPr/>
+        <p:nvPr/>
+      </p:nvGrpSpPr>
+      <p:grpSpPr>
+        <a:xfrm>
+          <a:off x="0" y="0"/>
+          <a:ext cx="0" cy="0"/>
+          <a:chOff x="0" y="0"/>
+          <a:chExt cx="0" cy="0"/>
+        </a:xfrm>
+      </p:grpSpPr>
+      <p:pic>
+        <p:nvPicPr>
+          <p:cNvPr id="4" name="그림 3">
+            <a:extLst>
+              <a:ext uri="{FF2B5EF4-FFF2-40B4-BE49-F238E27FC236}">
+                <a16:creationId xmlns:a16="http://schemas.microsoft.com/office/drawing/2014/main" id="{0533B0AA-0351-4C02-A827-3895DDD21EAE}"/>
+              </a:ext>
+            </a:extLst>
+          </p:cNvPr>
+          <p:cNvPicPr>
+            <a:picLocks noChangeAspect="1"/>
+          </p:cNvPicPr>
+          <p:nvPr/>
+        </p:nvPicPr>
+        <p:blipFill>
+          <a:blip r:embed="rId2"/>
+          <a:stretch>
+            <a:fillRect/>
+          </a:stretch>
+        </p:blipFill>
+        <p:spPr>
+          <a:xfrm>
+            <a:off x="2393250" y="1428602"/>
+            <a:ext cx="4357501" cy="1692600"/>
+          </a:xfrm>
+          <a:prstGeom prst="rect">
+            <a:avLst/>
+          </a:prstGeom>
+        </p:spPr>
+      </p:pic>
+      <p:pic>
+        <p:nvPicPr>
+          <p:cNvPr id="5" name="그림 4">
+            <a:extLst>
+              <a:ext uri="{FF2B5EF4-FFF2-40B4-BE49-F238E27FC236}">
+                <a16:creationId xmlns:a16="http://schemas.microsoft.com/office/drawing/2014/main" id="{E24B7E91-F634-412D-8461-3A9785EFADAF}"/>
+              </a:ext>
+            </a:extLst>
+          </p:cNvPr>
+          <p:cNvPicPr>
+            <a:picLocks noChangeAspect="1"/>
+          </p:cNvPicPr>
+          <p:nvPr/>
+        </p:nvPicPr>
+        <p:blipFill>
+          <a:blip r:embed="rId3"/>
+          <a:stretch>
+            <a:fillRect/>
+          </a:stretch>
+        </p:blipFill>
+        <p:spPr>
+          <a:xfrm>
+            <a:off x="339930" y="3736798"/>
+            <a:ext cx="4357501" cy="1692600"/>
+          </a:xfrm>
+          <a:prstGeom prst="rect">
+            <a:avLst/>
+          </a:prstGeom>
+        </p:spPr>
+      </p:pic>
+      <p:pic>
+        <p:nvPicPr>
+          <p:cNvPr id="6" name="그림 5">
+            <a:extLst>
+              <a:ext uri="{FF2B5EF4-FFF2-40B4-BE49-F238E27FC236}">
+                <a16:creationId xmlns:a16="http://schemas.microsoft.com/office/drawing/2014/main" id="{F22CC3D1-B689-4B68-A8B7-6FC92023960B}"/>
+              </a:ext>
+            </a:extLst>
+          </p:cNvPr>
+          <p:cNvPicPr>
+            <a:picLocks noChangeAspect="1"/>
+          </p:cNvPicPr>
+          <p:nvPr/>
+        </p:nvPicPr>
+        <p:blipFill>
+          <a:blip r:embed="rId4"/>
+          <a:stretch>
+            <a:fillRect/>
+          </a:stretch>
+        </p:blipFill>
+        <p:spPr>
+          <a:xfrm>
+            <a:off x="4446570" y="3736798"/>
+            <a:ext cx="4357501" cy="1692600"/>
+          </a:xfrm>
+          <a:prstGeom prst="rect">
+            <a:avLst/>
+          </a:prstGeom>
+        </p:spPr>
+      </p:pic>
+      <p:cxnSp>
+        <p:nvCxnSpPr>
+          <p:cNvPr id="8" name="직선 화살표 연결선 7">
+            <a:extLst>
+              <a:ext uri="{FF2B5EF4-FFF2-40B4-BE49-F238E27FC236}">
+                <a16:creationId xmlns:a16="http://schemas.microsoft.com/office/drawing/2014/main" id="{8B1684DA-73CB-4EFF-8850-42EF19BA3B20}"/>
+              </a:ext>
+            </a:extLst>
+          </p:cNvPr>
+          <p:cNvCxnSpPr>
+            <a:cxnSpLocks/>
+          </p:cNvCxnSpPr>
+          <p:nvPr/>
+        </p:nvCxnSpPr>
+        <p:spPr>
+          <a:xfrm>
+            <a:off x="1880235" y="3979488"/>
+            <a:ext cx="1228725" cy="0"/>
+          </a:xfrm>
+          <a:prstGeom prst="straightConnector1">
+            <a:avLst/>
+          </a:prstGeom>
+          <a:ln w="38100">
+            <a:solidFill>
+              <a:srgbClr val="FF0000"/>
+            </a:solidFill>
+            <a:headEnd type="triangle" w="med" len="med"/>
+            <a:tailEnd type="triangle" w="med" len="med"/>
+          </a:ln>
+        </p:spPr>
+        <p:style>
+          <a:lnRef idx="1">
+            <a:schemeClr val="accent1"/>
+          </a:lnRef>
+          <a:fillRef idx="0">
+            <a:schemeClr val="accent1"/>
+          </a:fillRef>
+          <a:effectRef idx="0">
+            <a:schemeClr val="accent1"/>
+          </a:effectRef>
+          <a:fontRef idx="minor">
+            <a:schemeClr val="tx1"/>
+          </a:fontRef>
+        </p:style>
+      </p:cxnSp>
+      <p:sp>
+        <p:nvSpPr>
+          <p:cNvPr id="9" name="TextBox 8">
+            <a:extLst>
+              <a:ext uri="{FF2B5EF4-FFF2-40B4-BE49-F238E27FC236}">
+                <a16:creationId xmlns:a16="http://schemas.microsoft.com/office/drawing/2014/main" id="{37B6DBFF-9D9F-408C-B925-AE25DAA391FD}"/>
+              </a:ext>
+            </a:extLst>
+          </p:cNvPr>
+          <p:cNvSpPr txBox="1"/>
+          <p:nvPr/>
+        </p:nvSpPr>
+        <p:spPr>
+          <a:xfrm>
+            <a:off x="435609" y="3353695"/>
+            <a:ext cx="1444626" cy="369332"/>
+          </a:xfrm>
+          <a:prstGeom prst="rect">
+            <a:avLst/>
+          </a:prstGeom>
+          <a:solidFill>
+            <a:schemeClr val="bg1"/>
+          </a:solidFill>
+          <a:ln w="28575">
+            <a:solidFill>
+              <a:srgbClr val="FF0000"/>
+            </a:solidFill>
+          </a:ln>
+        </p:spPr>
+        <p:txBody>
+          <a:bodyPr wrap="none" rtlCol="0">
+            <a:spAutoFit/>
+          </a:bodyPr>
+          <a:lstStyle/>
+          <a:p>
+            <a:r>
+              <a:rPr lang="ko-KR" altLang="en-US" dirty="0"/>
+              <a:t>그룹 간 편차</a:t>
+            </a:r>
+          </a:p>
+        </p:txBody>
+      </p:sp>
+      <p:cxnSp>
+        <p:nvCxnSpPr>
+          <p:cNvPr id="14" name="직선 화살표 연결선 13">
+            <a:extLst>
+              <a:ext uri="{FF2B5EF4-FFF2-40B4-BE49-F238E27FC236}">
+                <a16:creationId xmlns:a16="http://schemas.microsoft.com/office/drawing/2014/main" id="{9C12A2FF-CCCC-4625-83CB-97D0AA8A23EB}"/>
+              </a:ext>
+            </a:extLst>
+          </p:cNvPr>
+          <p:cNvCxnSpPr>
+            <a:cxnSpLocks/>
+          </p:cNvCxnSpPr>
+          <p:nvPr/>
+        </p:nvCxnSpPr>
+        <p:spPr>
+          <a:xfrm>
+            <a:off x="6827324" y="4955775"/>
+            <a:ext cx="342715" cy="0"/>
+          </a:xfrm>
+          <a:prstGeom prst="straightConnector1">
+            <a:avLst/>
+          </a:prstGeom>
+          <a:ln w="38100">
+            <a:solidFill>
+              <a:schemeClr val="accent6"/>
+            </a:solidFill>
+            <a:headEnd type="triangle" w="med" len="med"/>
+            <a:tailEnd type="triangle" w="med" len="med"/>
+          </a:ln>
+        </p:spPr>
+        <p:style>
+          <a:lnRef idx="1">
+            <a:schemeClr val="accent1"/>
+          </a:lnRef>
+          <a:fillRef idx="0">
+            <a:schemeClr val="accent1"/>
+          </a:fillRef>
+          <a:effectRef idx="0">
+            <a:schemeClr val="accent1"/>
+          </a:effectRef>
+          <a:fontRef idx="minor">
+            <a:schemeClr val="tx1"/>
+          </a:fontRef>
+        </p:style>
+      </p:cxnSp>
+      <p:sp>
+        <p:nvSpPr>
+          <p:cNvPr id="15" name="TextBox 14">
+            <a:extLst>
+              <a:ext uri="{FF2B5EF4-FFF2-40B4-BE49-F238E27FC236}">
+                <a16:creationId xmlns:a16="http://schemas.microsoft.com/office/drawing/2014/main" id="{787D2902-7776-4E9D-B507-B6A38135D64A}"/>
+              </a:ext>
+            </a:extLst>
+          </p:cNvPr>
+          <p:cNvSpPr txBox="1"/>
+          <p:nvPr/>
+        </p:nvSpPr>
+        <p:spPr>
+          <a:xfrm>
+            <a:off x="7249938" y="4398432"/>
+            <a:ext cx="1444626" cy="369332"/>
+          </a:xfrm>
+          <a:prstGeom prst="rect">
+            <a:avLst/>
+          </a:prstGeom>
+          <a:solidFill>
+            <a:schemeClr val="bg1"/>
+          </a:solidFill>
+          <a:ln w="28575">
+            <a:solidFill>
+              <a:schemeClr val="accent6"/>
+            </a:solidFill>
+          </a:ln>
+        </p:spPr>
+        <p:txBody>
+          <a:bodyPr wrap="none" rtlCol="0">
+            <a:spAutoFit/>
+          </a:bodyPr>
+          <a:lstStyle/>
+          <a:p>
+            <a:r>
+              <a:rPr lang="ko-KR" altLang="en-US" dirty="0"/>
+              <a:t>그룹 내 편차</a:t>
+            </a:r>
+          </a:p>
+        </p:txBody>
+      </p:sp>
+      <p:cxnSp>
+        <p:nvCxnSpPr>
+          <p:cNvPr id="18" name="직선 화살표 연결선 17">
+            <a:extLst>
+              <a:ext uri="{FF2B5EF4-FFF2-40B4-BE49-F238E27FC236}">
+                <a16:creationId xmlns:a16="http://schemas.microsoft.com/office/drawing/2014/main" id="{508D13AE-9E45-4C0D-8632-2FEC40FC8CE5}"/>
+              </a:ext>
+            </a:extLst>
+          </p:cNvPr>
+          <p:cNvCxnSpPr>
+            <a:cxnSpLocks/>
+            <a:endCxn id="5" idx="0"/>
+          </p:cNvCxnSpPr>
+          <p:nvPr/>
+        </p:nvCxnSpPr>
+        <p:spPr>
+          <a:xfrm flipH="1">
+            <a:off x="2518681" y="3121202"/>
+            <a:ext cx="1245451" cy="615596"/>
+          </a:xfrm>
+          <a:prstGeom prst="straightConnector1">
+            <a:avLst/>
+          </a:prstGeom>
+          <a:ln w="38100">
+            <a:solidFill>
+              <a:schemeClr val="tx1"/>
+            </a:solidFill>
+            <a:prstDash val="sysDot"/>
+            <a:tailEnd type="triangle"/>
+          </a:ln>
+        </p:spPr>
+        <p:style>
+          <a:lnRef idx="1">
+            <a:schemeClr val="accent1"/>
+          </a:lnRef>
+          <a:fillRef idx="0">
+            <a:schemeClr val="accent1"/>
+          </a:fillRef>
+          <a:effectRef idx="0">
+            <a:schemeClr val="accent1"/>
+          </a:effectRef>
+          <a:fontRef idx="minor">
+            <a:schemeClr val="tx1"/>
+          </a:fontRef>
+        </p:style>
+      </p:cxnSp>
+      <p:cxnSp>
+        <p:nvCxnSpPr>
+          <p:cNvPr id="20" name="직선 화살표 연결선 19">
+            <a:extLst>
+              <a:ext uri="{FF2B5EF4-FFF2-40B4-BE49-F238E27FC236}">
+                <a16:creationId xmlns:a16="http://schemas.microsoft.com/office/drawing/2014/main" id="{618E11F5-19C7-4190-B85F-D91840FA31A5}"/>
+              </a:ext>
+            </a:extLst>
+          </p:cNvPr>
+          <p:cNvCxnSpPr>
+            <a:cxnSpLocks/>
+          </p:cNvCxnSpPr>
+          <p:nvPr/>
+        </p:nvCxnSpPr>
+        <p:spPr>
+          <a:xfrm>
+            <a:off x="5505300" y="3121202"/>
+            <a:ext cx="1245451" cy="615596"/>
+          </a:xfrm>
+          <a:prstGeom prst="straightConnector1">
+            <a:avLst/>
+          </a:prstGeom>
+          <a:ln w="38100">
+            <a:solidFill>
+              <a:schemeClr val="tx1"/>
+            </a:solidFill>
+            <a:prstDash val="sysDot"/>
+            <a:tailEnd type="triangle"/>
+          </a:ln>
+        </p:spPr>
+        <p:style>
+          <a:lnRef idx="1">
+            <a:schemeClr val="accent1"/>
+          </a:lnRef>
+          <a:fillRef idx="0">
+            <a:schemeClr val="accent1"/>
+          </a:fillRef>
+          <a:effectRef idx="0">
+            <a:schemeClr val="accent1"/>
+          </a:effectRef>
+          <a:fontRef idx="minor">
+            <a:schemeClr val="tx1"/>
+          </a:fontRef>
+        </p:style>
+      </p:cxnSp>
+      <p:sp>
+        <p:nvSpPr>
+          <p:cNvPr id="21" name="TextBox 20">
+            <a:extLst>
+              <a:ext uri="{FF2B5EF4-FFF2-40B4-BE49-F238E27FC236}">
+                <a16:creationId xmlns:a16="http://schemas.microsoft.com/office/drawing/2014/main" id="{59D4F689-1FE9-42D7-A8A3-D3E755CDD410}"/>
+              </a:ext>
+            </a:extLst>
+          </p:cNvPr>
+          <p:cNvSpPr txBox="1"/>
+          <p:nvPr/>
+        </p:nvSpPr>
+        <p:spPr>
+          <a:xfrm>
+            <a:off x="1698458" y="753085"/>
+            <a:ext cx="5747087" cy="461665"/>
+          </a:xfrm>
+          <a:prstGeom prst="rect">
+            <a:avLst/>
+          </a:prstGeom>
+          <a:solidFill>
+            <a:schemeClr val="bg1"/>
+          </a:solidFill>
+          <a:ln w="12700">
+            <a:solidFill>
+              <a:schemeClr val="tx1"/>
+            </a:solidFill>
+          </a:ln>
+        </p:spPr>
+        <p:txBody>
+          <a:bodyPr wrap="none" rtlCol="0">
+            <a:spAutoFit/>
+          </a:bodyPr>
+          <a:lstStyle/>
+          <a:p>
+            <a:pPr algn="ctr"/>
+            <a:r>
+              <a:rPr lang="ko-KR" altLang="en-US" sz="2400" b="1" dirty="0"/>
+              <a:t>두 그룹의 차이가 커질 수 있는 </a:t>
+            </a:r>
+            <a:r>
+              <a:rPr lang="ko-KR" altLang="en-US" sz="2400" b="1"/>
+              <a:t>조건 </a:t>
+            </a:r>
+            <a:r>
+              <a:rPr lang="en-US" altLang="ko-KR" sz="2400" b="1" dirty="0"/>
+              <a:t>2</a:t>
+            </a:r>
+            <a:r>
+              <a:rPr lang="ko-KR" altLang="en-US" sz="2400" b="1" dirty="0"/>
+              <a:t>가지</a:t>
+            </a:r>
+          </a:p>
+        </p:txBody>
+      </p:sp>
+      <p:sp>
+        <p:nvSpPr>
+          <p:cNvPr id="22" name="TextBox 21">
+            <a:extLst>
+              <a:ext uri="{FF2B5EF4-FFF2-40B4-BE49-F238E27FC236}">
+                <a16:creationId xmlns:a16="http://schemas.microsoft.com/office/drawing/2014/main" id="{419F8496-4F48-421A-BBD1-D174B9DB0F07}"/>
+              </a:ext>
+            </a:extLst>
+          </p:cNvPr>
+          <p:cNvSpPr txBox="1"/>
+          <p:nvPr/>
+        </p:nvSpPr>
+        <p:spPr>
+          <a:xfrm>
+            <a:off x="2901211" y="3081569"/>
+            <a:ext cx="415498" cy="369332"/>
+          </a:xfrm>
+          <a:prstGeom prst="rect">
+            <a:avLst/>
+          </a:prstGeom>
+          <a:noFill/>
+        </p:spPr>
+        <p:txBody>
+          <a:bodyPr wrap="none" rtlCol="0">
+            <a:spAutoFit/>
+          </a:bodyPr>
+          <a:lstStyle/>
+          <a:p>
+            <a:r>
+              <a:rPr lang="ko-KR" altLang="en-US" dirty="0"/>
+              <a:t>①</a:t>
+            </a:r>
+          </a:p>
+        </p:txBody>
+      </p:sp>
+      <p:sp>
+        <p:nvSpPr>
+          <p:cNvPr id="23" name="TextBox 22">
+            <a:extLst>
+              <a:ext uri="{FF2B5EF4-FFF2-40B4-BE49-F238E27FC236}">
+                <a16:creationId xmlns:a16="http://schemas.microsoft.com/office/drawing/2014/main" id="{8AFA7BEA-E017-47C8-BA50-44A6595E598E}"/>
+              </a:ext>
+            </a:extLst>
+          </p:cNvPr>
+          <p:cNvSpPr txBox="1"/>
+          <p:nvPr/>
+        </p:nvSpPr>
+        <p:spPr>
+          <a:xfrm>
+            <a:off x="5920276" y="3081569"/>
+            <a:ext cx="415498" cy="369332"/>
+          </a:xfrm>
+          <a:prstGeom prst="rect">
+            <a:avLst/>
+          </a:prstGeom>
+          <a:noFill/>
+        </p:spPr>
+        <p:txBody>
+          <a:bodyPr wrap="none" rtlCol="0">
+            <a:spAutoFit/>
+          </a:bodyPr>
+          <a:lstStyle/>
+          <a:p>
+            <a:r>
+              <a:rPr lang="ko-KR" altLang="en-US" dirty="0"/>
+              <a:t>②</a:t>
+            </a:r>
+          </a:p>
+        </p:txBody>
+      </p:sp>
+      <p:sp>
+        <p:nvSpPr>
+          <p:cNvPr id="24" name="TextBox 23">
+            <a:extLst>
+              <a:ext uri="{FF2B5EF4-FFF2-40B4-BE49-F238E27FC236}">
+                <a16:creationId xmlns:a16="http://schemas.microsoft.com/office/drawing/2014/main" id="{BE431D9F-7AA8-4DB3-B964-F2F4E56EDF21}"/>
+              </a:ext>
+            </a:extLst>
+          </p:cNvPr>
+          <p:cNvSpPr txBox="1"/>
+          <p:nvPr/>
+        </p:nvSpPr>
+        <p:spPr>
+          <a:xfrm>
+            <a:off x="1269507" y="5584054"/>
+            <a:ext cx="2651688" cy="369332"/>
+          </a:xfrm>
+          <a:prstGeom prst="rect">
+            <a:avLst/>
+          </a:prstGeom>
+          <a:noFill/>
+          <a:ln>
+            <a:solidFill>
+              <a:schemeClr val="tx1"/>
+            </a:solidFill>
+          </a:ln>
+        </p:spPr>
+        <p:txBody>
+          <a:bodyPr wrap="none" rtlCol="0">
+            <a:spAutoFit/>
+          </a:bodyPr>
+          <a:lstStyle/>
+          <a:p>
+            <a:pPr algn="ctr"/>
+            <a:r>
+              <a:rPr lang="ko-KR" altLang="en-US" dirty="0"/>
+              <a:t>그룹 간 </a:t>
+            </a:r>
+            <a:r>
+              <a:rPr lang="ko-KR" altLang="en-US"/>
+              <a:t>편차가 커지거나</a:t>
+            </a:r>
+          </a:p>
+        </p:txBody>
+      </p:sp>
+      <p:sp>
+        <p:nvSpPr>
+          <p:cNvPr id="25" name="TextBox 24">
+            <a:extLst>
+              <a:ext uri="{FF2B5EF4-FFF2-40B4-BE49-F238E27FC236}">
+                <a16:creationId xmlns:a16="http://schemas.microsoft.com/office/drawing/2014/main" id="{565EBCC9-1EA2-4DDC-983F-E2DF88FF74E7}"/>
+              </a:ext>
+            </a:extLst>
+          </p:cNvPr>
+          <p:cNvSpPr txBox="1"/>
+          <p:nvPr/>
+        </p:nvSpPr>
+        <p:spPr>
+          <a:xfrm>
+            <a:off x="5256227" y="5584054"/>
+            <a:ext cx="2882520" cy="369332"/>
+          </a:xfrm>
+          <a:prstGeom prst="rect">
+            <a:avLst/>
+          </a:prstGeom>
+          <a:noFill/>
+          <a:ln>
+            <a:solidFill>
+              <a:schemeClr val="tx1"/>
+            </a:solidFill>
+          </a:ln>
+        </p:spPr>
+        <p:txBody>
+          <a:bodyPr wrap="none" rtlCol="0">
+            <a:spAutoFit/>
+          </a:bodyPr>
+          <a:lstStyle/>
+          <a:p>
+            <a:pPr algn="ctr"/>
+            <a:r>
+              <a:rPr lang="ko-KR" altLang="en-US" dirty="0"/>
+              <a:t>그룹 내 편차가 작아지거나</a:t>
+            </a:r>
+          </a:p>
+        </p:txBody>
+      </p:sp>
+    </p:spTree>
+    <p:extLst>
+      <p:ext uri="{BB962C8B-B14F-4D97-AF65-F5344CB8AC3E}">
+        <p14:creationId xmlns:p14="http://schemas.microsoft.com/office/powerpoint/2010/main" val="336787224"/>
+      </p:ext>
+    </p:extLst>
+  </p:cSld>
+  <p:clrMapOvr>
+    <a:masterClrMapping/>
+  </p:clrMapOvr>
+</p:sld>
+</file>
+
 <file path=ppt/theme/theme1.xml><?xml version="1.0" encoding="utf-8"?>
 <a:theme xmlns:a="http://schemas.openxmlformats.org/drawingml/2006/main" name="Office 테마">
   <a:themeElements>

--- a/pics/2020-02-13-Students_t_test/pics.pptx
+++ b/pics/2020-02-13-Students_t_test/pics.pptx
@@ -8,6 +8,8 @@
     <p:sldId id="256" r:id="rId2"/>
     <p:sldId id="257" r:id="rId3"/>
     <p:sldId id="258" r:id="rId4"/>
+    <p:sldId id="259" r:id="rId5"/>
+    <p:sldId id="260" r:id="rId6"/>
   </p:sldIdLst>
   <p:sldSz cx="9144000" cy="6858000" type="screen4x3"/>
   <p:notesSz cx="6858000" cy="9144000"/>
@@ -3844,6 +3846,994 @@
 </p:sld>
 </file>
 
+<file path=ppt/slides/slide4.xml><?xml version="1.0" encoding="utf-8"?>
+<p:sld xmlns:a="http://schemas.openxmlformats.org/drawingml/2006/main" xmlns:r="http://schemas.openxmlformats.org/officeDocument/2006/relationships" xmlns:p="http://schemas.openxmlformats.org/presentationml/2006/main">
+  <p:cSld>
+    <p:spTree>
+      <p:nvGrpSpPr>
+        <p:cNvPr id="1" name=""/>
+        <p:cNvGrpSpPr/>
+        <p:nvPr/>
+      </p:nvGrpSpPr>
+      <p:grpSpPr>
+        <a:xfrm>
+          <a:off x="0" y="0"/>
+          <a:ext cx="0" cy="0"/>
+          <a:chOff x="0" y="0"/>
+          <a:chExt cx="0" cy="0"/>
+        </a:xfrm>
+      </p:grpSpPr>
+      <mc:AlternateContent xmlns:mc="http://schemas.openxmlformats.org/markup-compatibility/2006">
+        <mc:Choice xmlns:a14="http://schemas.microsoft.com/office/drawing/2010/main" Requires="a14">
+          <p:sp>
+            <p:nvSpPr>
+              <p:cNvPr id="4" name="TextBox 3">
+                <a:extLst>
+                  <a:ext uri="{FF2B5EF4-FFF2-40B4-BE49-F238E27FC236}">
+                    <a16:creationId xmlns:a16="http://schemas.microsoft.com/office/drawing/2014/main" id="{1F03C674-C6CF-4F36-B663-F067B8C6A3F1}"/>
+                  </a:ext>
+                </a:extLst>
+              </p:cNvPr>
+              <p:cNvSpPr txBox="1"/>
+              <p:nvPr/>
+            </p:nvSpPr>
+            <p:spPr>
+              <a:xfrm>
+                <a:off x="652588" y="2293948"/>
+                <a:ext cx="7838826" cy="2270109"/>
+              </a:xfrm>
+              <a:prstGeom prst="rect">
+                <a:avLst/>
+              </a:prstGeom>
+              <a:noFill/>
+            </p:spPr>
+            <p:txBody>
+              <a:bodyPr wrap="square" rtlCol="0" anchor="ctr">
+                <a:spAutoFit/>
+              </a:bodyPr>
+              <a:lstStyle/>
+              <a:p>
+                <a:pPr/>
+                <a14:m>
+                  <m:oMathPara xmlns:m="http://schemas.openxmlformats.org/officeDocument/2006/math">
+                    <m:oMathParaPr>
+                      <m:jc m:val="center"/>
+                    </m:oMathParaPr>
+                    <m:oMath xmlns:m="http://schemas.openxmlformats.org/officeDocument/2006/math">
+                      <m:r>
+                        <a:rPr lang="en-US" altLang="ko-KR" sz="6600" b="0" i="1" smtClean="0">
+                          <a:latin typeface="Cambria Math" panose="02040503050406030204" pitchFamily="18" charset="0"/>
+                        </a:rPr>
+                        <m:t>𝑡</m:t>
+                      </m:r>
+                      <m:r>
+                        <a:rPr lang="en-US" altLang="ko-KR" sz="6600" b="0" i="1" smtClean="0">
+                          <a:latin typeface="Cambria Math" panose="02040503050406030204" pitchFamily="18" charset="0"/>
+                        </a:rPr>
+                        <m:t>=</m:t>
+                      </m:r>
+                      <m:f>
+                        <m:fPr>
+                          <m:ctrlPr>
+                            <a:rPr lang="en-US" altLang="ko-KR" sz="6600" b="0" i="1" smtClean="0">
+                              <a:latin typeface="Cambria Math" panose="02040503050406030204" pitchFamily="18" charset="0"/>
+                            </a:rPr>
+                          </m:ctrlPr>
+                        </m:fPr>
+                        <m:num>
+                          <m:r>
+                            <a:rPr lang="ko-KR" altLang="en-US" sz="6600" i="1">
+                              <a:latin typeface="+mj-ea"/>
+                              <a:ea typeface="+mj-ea"/>
+                            </a:rPr>
+                            <m:t>그</m:t>
+                          </m:r>
+                          <m:r>
+                            <a:rPr lang="ko-KR" altLang="en-US" sz="6600" i="1" smtClean="0">
+                              <a:latin typeface="+mj-ea"/>
+                              <a:ea typeface="+mj-ea"/>
+                            </a:rPr>
+                            <m:t>룹</m:t>
+                          </m:r>
+                          <m:r>
+                            <a:rPr lang="en-US" altLang="ko-KR" sz="6600" b="0" i="1" smtClean="0">
+                              <a:latin typeface="+mj-ea"/>
+                              <a:ea typeface="+mj-ea"/>
+                            </a:rPr>
+                            <m:t> </m:t>
+                          </m:r>
+                          <m:r>
+                            <a:rPr lang="ko-KR" altLang="en-US" sz="6600" i="1">
+                              <a:latin typeface="+mj-ea"/>
+                              <a:ea typeface="+mj-ea"/>
+                            </a:rPr>
+                            <m:t>간</m:t>
+                          </m:r>
+                          <m:r>
+                            <a:rPr lang="en-US" altLang="ko-KR" sz="6600" b="0" i="1" smtClean="0">
+                              <a:latin typeface="+mj-ea"/>
+                              <a:ea typeface="+mj-ea"/>
+                            </a:rPr>
+                            <m:t> </m:t>
+                          </m:r>
+                          <m:r>
+                            <a:rPr lang="ko-KR" altLang="en-US" sz="6600" i="1">
+                              <a:latin typeface="+mj-ea"/>
+                              <a:ea typeface="+mj-ea"/>
+                            </a:rPr>
+                            <m:t>편</m:t>
+                          </m:r>
+                          <m:r>
+                            <a:rPr lang="ko-KR" altLang="en-US" sz="6600" i="1" smtClean="0">
+                              <a:latin typeface="+mj-ea"/>
+                              <a:ea typeface="+mj-ea"/>
+                            </a:rPr>
+                            <m:t>차</m:t>
+                          </m:r>
+                        </m:num>
+                        <m:den>
+                          <m:r>
+                            <a:rPr lang="ko-KR" altLang="en-US" sz="6600" i="1">
+                              <a:latin typeface="Cambria Math" panose="02040503050406030204" pitchFamily="18" charset="0"/>
+                            </a:rPr>
+                            <m:t>그</m:t>
+                          </m:r>
+                          <m:r>
+                            <a:rPr lang="ko-KR" altLang="en-US" sz="6600" i="1" smtClean="0">
+                              <a:latin typeface="Cambria Math" panose="02040503050406030204" pitchFamily="18" charset="0"/>
+                            </a:rPr>
+                            <m:t>룹</m:t>
+                          </m:r>
+                          <m:r>
+                            <a:rPr lang="en-US" altLang="ko-KR" sz="6600" b="0" i="1" smtClean="0">
+                              <a:latin typeface="Cambria Math" panose="02040503050406030204" pitchFamily="18" charset="0"/>
+                            </a:rPr>
+                            <m:t> </m:t>
+                          </m:r>
+                          <m:r>
+                            <a:rPr lang="ko-KR" altLang="en-US" sz="6600" i="1">
+                              <a:latin typeface="Cambria Math" panose="02040503050406030204" pitchFamily="18" charset="0"/>
+                            </a:rPr>
+                            <m:t>내</m:t>
+                          </m:r>
+                          <m:r>
+                            <a:rPr lang="en-US" altLang="ko-KR" sz="6600" b="0" i="1" smtClean="0">
+                              <a:latin typeface="Cambria Math" panose="02040503050406030204" pitchFamily="18" charset="0"/>
+                            </a:rPr>
+                            <m:t> </m:t>
+                          </m:r>
+                          <m:r>
+                            <a:rPr lang="ko-KR" altLang="en-US" sz="6600" i="1">
+                              <a:latin typeface="Cambria Math" panose="02040503050406030204" pitchFamily="18" charset="0"/>
+                            </a:rPr>
+                            <m:t>편</m:t>
+                          </m:r>
+                          <m:r>
+                            <a:rPr lang="ko-KR" altLang="en-US" sz="6600" i="1" smtClean="0">
+                              <a:latin typeface="Cambria Math" panose="02040503050406030204" pitchFamily="18" charset="0"/>
+                            </a:rPr>
+                            <m:t>차</m:t>
+                          </m:r>
+                        </m:den>
+                      </m:f>
+                    </m:oMath>
+                  </m:oMathPara>
+                </a14:m>
+                <a:endParaRPr lang="ko-KR" altLang="en-US" sz="6600" dirty="0"/>
+              </a:p>
+            </p:txBody>
+          </p:sp>
+        </mc:Choice>
+        <mc:Fallback>
+          <p:sp>
+            <p:nvSpPr>
+              <p:cNvPr id="4" name="TextBox 3">
+                <a:extLst>
+                  <a:ext uri="{FF2B5EF4-FFF2-40B4-BE49-F238E27FC236}">
+                    <a16:creationId xmlns:a16="http://schemas.microsoft.com/office/drawing/2014/main" id="{1F03C674-C6CF-4F36-B663-F067B8C6A3F1}"/>
+                  </a:ext>
+                </a:extLst>
+              </p:cNvPr>
+              <p:cNvSpPr txBox="1">
+                <a:spLocks noRot="1" noChangeAspect="1" noMove="1" noResize="1" noEditPoints="1" noAdjustHandles="1" noChangeArrowheads="1" noChangeShapeType="1" noTextEdit="1"/>
+              </p:cNvSpPr>
+              <p:nvPr/>
+            </p:nvSpPr>
+            <p:spPr>
+              <a:xfrm>
+                <a:off x="652588" y="2293948"/>
+                <a:ext cx="7838826" cy="2270109"/>
+              </a:xfrm>
+              <a:prstGeom prst="rect">
+                <a:avLst/>
+              </a:prstGeom>
+              <a:blipFill>
+                <a:blip r:embed="rId2"/>
+                <a:stretch>
+                  <a:fillRect/>
+                </a:stretch>
+              </a:blipFill>
+            </p:spPr>
+            <p:txBody>
+              <a:bodyPr/>
+              <a:lstStyle/>
+              <a:p>
+                <a:r>
+                  <a:rPr lang="ko-KR" altLang="en-US">
+                    <a:noFill/>
+                  </a:rPr>
+                  <a:t> </a:t>
+                </a:r>
+              </a:p>
+            </p:txBody>
+          </p:sp>
+        </mc:Fallback>
+      </mc:AlternateContent>
+    </p:spTree>
+    <p:extLst>
+      <p:ext uri="{BB962C8B-B14F-4D97-AF65-F5344CB8AC3E}">
+        <p14:creationId xmlns:p14="http://schemas.microsoft.com/office/powerpoint/2010/main" val="3975779516"/>
+      </p:ext>
+    </p:extLst>
+  </p:cSld>
+  <p:clrMapOvr>
+    <a:masterClrMapping/>
+  </p:clrMapOvr>
+</p:sld>
+</file>
+
+<file path=ppt/slides/slide5.xml><?xml version="1.0" encoding="utf-8"?>
+<p:sld xmlns:a="http://schemas.openxmlformats.org/drawingml/2006/main" xmlns:r="http://schemas.openxmlformats.org/officeDocument/2006/relationships" xmlns:p="http://schemas.openxmlformats.org/presentationml/2006/main">
+  <p:cSld>
+    <p:spTree>
+      <p:nvGrpSpPr>
+        <p:cNvPr id="1" name=""/>
+        <p:cNvGrpSpPr/>
+        <p:nvPr/>
+      </p:nvGrpSpPr>
+      <p:grpSpPr>
+        <a:xfrm>
+          <a:off x="0" y="0"/>
+          <a:ext cx="0" cy="0"/>
+          <a:chOff x="0" y="0"/>
+          <a:chExt cx="0" cy="0"/>
+        </a:xfrm>
+      </p:grpSpPr>
+      <p:pic>
+        <p:nvPicPr>
+          <p:cNvPr id="24" name="그림 23">
+            <a:extLst>
+              <a:ext uri="{FF2B5EF4-FFF2-40B4-BE49-F238E27FC236}">
+                <a16:creationId xmlns:a16="http://schemas.microsoft.com/office/drawing/2014/main" id="{AFE417B2-41DF-4E8F-B270-6148310259D6}"/>
+              </a:ext>
+            </a:extLst>
+          </p:cNvPr>
+          <p:cNvPicPr>
+            <a:picLocks noChangeAspect="1"/>
+          </p:cNvPicPr>
+          <p:nvPr/>
+        </p:nvPicPr>
+        <p:blipFill>
+          <a:blip r:embed="rId2"/>
+          <a:stretch>
+            <a:fillRect/>
+          </a:stretch>
+        </p:blipFill>
+        <p:spPr>
+          <a:xfrm>
+            <a:off x="4573127" y="1028279"/>
+            <a:ext cx="4103369" cy="4179773"/>
+          </a:xfrm>
+          <a:prstGeom prst="rect">
+            <a:avLst/>
+          </a:prstGeom>
+        </p:spPr>
+      </p:pic>
+      <p:pic>
+        <p:nvPicPr>
+          <p:cNvPr id="4" name="그림 3">
+            <a:extLst>
+              <a:ext uri="{FF2B5EF4-FFF2-40B4-BE49-F238E27FC236}">
+                <a16:creationId xmlns:a16="http://schemas.microsoft.com/office/drawing/2014/main" id="{12C78CC2-DBB3-4DAB-B330-77175B547B3B}"/>
+              </a:ext>
+            </a:extLst>
+          </p:cNvPr>
+          <p:cNvPicPr>
+            <a:picLocks noChangeAspect="1"/>
+          </p:cNvPicPr>
+          <p:nvPr/>
+        </p:nvPicPr>
+        <p:blipFill>
+          <a:blip r:embed="rId3"/>
+          <a:stretch>
+            <a:fillRect/>
+          </a:stretch>
+        </p:blipFill>
+        <p:spPr>
+          <a:xfrm>
+            <a:off x="469621" y="1028279"/>
+            <a:ext cx="4106450" cy="4182912"/>
+          </a:xfrm>
+          <a:prstGeom prst="rect">
+            <a:avLst/>
+          </a:prstGeom>
+        </p:spPr>
+      </p:pic>
+      <p:grpSp>
+        <p:nvGrpSpPr>
+          <p:cNvPr id="16" name="그룹 15">
+            <a:extLst>
+              <a:ext uri="{FF2B5EF4-FFF2-40B4-BE49-F238E27FC236}">
+                <a16:creationId xmlns:a16="http://schemas.microsoft.com/office/drawing/2014/main" id="{850453BB-EA1D-48AC-AAA6-1A01C8CE9627}"/>
+              </a:ext>
+            </a:extLst>
+          </p:cNvPr>
+          <p:cNvGrpSpPr/>
+          <p:nvPr/>
+        </p:nvGrpSpPr>
+        <p:grpSpPr>
+          <a:xfrm>
+            <a:off x="1627134" y="1778419"/>
+            <a:ext cx="1145540" cy="65252"/>
+            <a:chOff x="1813560" y="1778419"/>
+            <a:chExt cx="1145540" cy="65252"/>
+          </a:xfrm>
+        </p:grpSpPr>
+        <p:cxnSp>
+          <p:nvCxnSpPr>
+            <p:cNvPr id="7" name="직선 연결선 6">
+              <a:extLst>
+                <a:ext uri="{FF2B5EF4-FFF2-40B4-BE49-F238E27FC236}">
+                  <a16:creationId xmlns:a16="http://schemas.microsoft.com/office/drawing/2014/main" id="{622D8E4D-B7B4-49D4-AAE4-3CAC3C104A2C}"/>
+                </a:ext>
+              </a:extLst>
+            </p:cNvPr>
+            <p:cNvCxnSpPr>
+              <a:cxnSpLocks/>
+            </p:cNvCxnSpPr>
+            <p:nvPr/>
+          </p:nvCxnSpPr>
+          <p:spPr>
+            <a:xfrm>
+              <a:off x="1813560" y="1811045"/>
+              <a:ext cx="1145540" cy="0"/>
+            </a:xfrm>
+            <a:prstGeom prst="line">
+              <a:avLst/>
+            </a:prstGeom>
+            <a:ln w="28575"/>
+          </p:spPr>
+          <p:style>
+            <a:lnRef idx="1">
+              <a:schemeClr val="accent1"/>
+            </a:lnRef>
+            <a:fillRef idx="0">
+              <a:schemeClr val="accent1"/>
+            </a:fillRef>
+            <a:effectRef idx="0">
+              <a:schemeClr val="accent1"/>
+            </a:effectRef>
+            <a:fontRef idx="minor">
+              <a:schemeClr val="tx1"/>
+            </a:fontRef>
+          </p:style>
+        </p:cxnSp>
+        <p:sp>
+          <p:nvSpPr>
+            <p:cNvPr id="8" name="타원 7">
+              <a:extLst>
+                <a:ext uri="{FF2B5EF4-FFF2-40B4-BE49-F238E27FC236}">
+                  <a16:creationId xmlns:a16="http://schemas.microsoft.com/office/drawing/2014/main" id="{AC413E8F-B6FA-4605-8B60-6D9B2C9BCC0D}"/>
+                </a:ext>
+              </a:extLst>
+            </p:cNvPr>
+            <p:cNvSpPr/>
+            <p:nvPr/>
+          </p:nvSpPr>
+          <p:spPr>
+            <a:xfrm flipV="1">
+              <a:off x="2353704" y="1778419"/>
+              <a:ext cx="65252" cy="65252"/>
+            </a:xfrm>
+            <a:prstGeom prst="ellipse">
+              <a:avLst/>
+            </a:prstGeom>
+            <a:ln>
+              <a:noFill/>
+            </a:ln>
+          </p:spPr>
+          <p:style>
+            <a:lnRef idx="2">
+              <a:schemeClr val="accent1">
+                <a:shade val="50000"/>
+              </a:schemeClr>
+            </a:lnRef>
+            <a:fillRef idx="1">
+              <a:schemeClr val="accent1"/>
+            </a:fillRef>
+            <a:effectRef idx="0">
+              <a:schemeClr val="accent1"/>
+            </a:effectRef>
+            <a:fontRef idx="minor">
+              <a:schemeClr val="lt1"/>
+            </a:fontRef>
+          </p:style>
+          <p:txBody>
+            <a:bodyPr rtlCol="0" anchor="ctr"/>
+            <a:lstStyle/>
+            <a:p>
+              <a:pPr algn="ctr"/>
+              <a:endParaRPr lang="ko-KR" altLang="en-US"/>
+            </a:p>
+          </p:txBody>
+        </p:sp>
+      </p:grpSp>
+      <p:grpSp>
+        <p:nvGrpSpPr>
+          <p:cNvPr id="17" name="그룹 16">
+            <a:extLst>
+              <a:ext uri="{FF2B5EF4-FFF2-40B4-BE49-F238E27FC236}">
+                <a16:creationId xmlns:a16="http://schemas.microsoft.com/office/drawing/2014/main" id="{DED6803F-2F6A-4C9E-95EA-796FD580C6DF}"/>
+              </a:ext>
+            </a:extLst>
+          </p:cNvPr>
+          <p:cNvGrpSpPr/>
+          <p:nvPr/>
+        </p:nvGrpSpPr>
+        <p:grpSpPr>
+          <a:xfrm>
+            <a:off x="2363975" y="4095491"/>
+            <a:ext cx="1145540" cy="65252"/>
+            <a:chOff x="2363975" y="4095491"/>
+            <a:chExt cx="1145540" cy="65252"/>
+          </a:xfrm>
+        </p:grpSpPr>
+        <p:cxnSp>
+          <p:nvCxnSpPr>
+            <p:cNvPr id="14" name="직선 연결선 13">
+              <a:extLst>
+                <a:ext uri="{FF2B5EF4-FFF2-40B4-BE49-F238E27FC236}">
+                  <a16:creationId xmlns:a16="http://schemas.microsoft.com/office/drawing/2014/main" id="{FD105932-C16F-420E-80EC-71853524DAD3}"/>
+                </a:ext>
+              </a:extLst>
+            </p:cNvPr>
+            <p:cNvCxnSpPr>
+              <a:cxnSpLocks/>
+            </p:cNvCxnSpPr>
+            <p:nvPr/>
+          </p:nvCxnSpPr>
+          <p:spPr>
+            <a:xfrm>
+              <a:off x="2363975" y="4128117"/>
+              <a:ext cx="1145540" cy="0"/>
+            </a:xfrm>
+            <a:prstGeom prst="line">
+              <a:avLst/>
+            </a:prstGeom>
+            <a:solidFill>
+              <a:schemeClr val="accent2"/>
+            </a:solidFill>
+            <a:ln w="28575">
+              <a:solidFill>
+                <a:schemeClr val="accent2"/>
+              </a:solidFill>
+            </a:ln>
+          </p:spPr>
+          <p:style>
+            <a:lnRef idx="1">
+              <a:schemeClr val="accent1"/>
+            </a:lnRef>
+            <a:fillRef idx="0">
+              <a:schemeClr val="accent1"/>
+            </a:fillRef>
+            <a:effectRef idx="0">
+              <a:schemeClr val="accent1"/>
+            </a:effectRef>
+            <a:fontRef idx="minor">
+              <a:schemeClr val="tx1"/>
+            </a:fontRef>
+          </p:style>
+        </p:cxnSp>
+        <p:sp>
+          <p:nvSpPr>
+            <p:cNvPr id="15" name="타원 14">
+              <a:extLst>
+                <a:ext uri="{FF2B5EF4-FFF2-40B4-BE49-F238E27FC236}">
+                  <a16:creationId xmlns:a16="http://schemas.microsoft.com/office/drawing/2014/main" id="{C2624D44-5F91-4BD2-8759-0EEB66DD8CFB}"/>
+                </a:ext>
+              </a:extLst>
+            </p:cNvPr>
+            <p:cNvSpPr/>
+            <p:nvPr/>
+          </p:nvSpPr>
+          <p:spPr>
+            <a:xfrm flipV="1">
+              <a:off x="2904119" y="4095491"/>
+              <a:ext cx="65252" cy="65252"/>
+            </a:xfrm>
+            <a:prstGeom prst="ellipse">
+              <a:avLst/>
+            </a:prstGeom>
+            <a:solidFill>
+              <a:schemeClr val="accent2"/>
+            </a:solidFill>
+            <a:ln>
+              <a:solidFill>
+                <a:schemeClr val="accent2"/>
+              </a:solidFill>
+            </a:ln>
+          </p:spPr>
+          <p:style>
+            <a:lnRef idx="2">
+              <a:schemeClr val="accent1">
+                <a:shade val="50000"/>
+              </a:schemeClr>
+            </a:lnRef>
+            <a:fillRef idx="1">
+              <a:schemeClr val="accent1"/>
+            </a:fillRef>
+            <a:effectRef idx="0">
+              <a:schemeClr val="accent1"/>
+            </a:effectRef>
+            <a:fontRef idx="minor">
+              <a:schemeClr val="lt1"/>
+            </a:fontRef>
+          </p:style>
+          <p:txBody>
+            <a:bodyPr rtlCol="0" anchor="ctr"/>
+            <a:lstStyle/>
+            <a:p>
+              <a:pPr algn="ctr"/>
+              <a:endParaRPr lang="ko-KR" altLang="en-US"/>
+            </a:p>
+          </p:txBody>
+        </p:sp>
+      </p:grpSp>
+      <p:grpSp>
+        <p:nvGrpSpPr>
+          <p:cNvPr id="18" name="그룹 17">
+            <a:extLst>
+              <a:ext uri="{FF2B5EF4-FFF2-40B4-BE49-F238E27FC236}">
+                <a16:creationId xmlns:a16="http://schemas.microsoft.com/office/drawing/2014/main" id="{930DCEDF-4A0C-454E-8F4B-37ECB6B805F0}"/>
+              </a:ext>
+            </a:extLst>
+          </p:cNvPr>
+          <p:cNvGrpSpPr/>
+          <p:nvPr/>
+        </p:nvGrpSpPr>
+        <p:grpSpPr>
+          <a:xfrm>
+            <a:off x="5710859" y="1414435"/>
+            <a:ext cx="1145540" cy="65252"/>
+            <a:chOff x="1813560" y="1778419"/>
+            <a:chExt cx="1145540" cy="65252"/>
+          </a:xfrm>
+        </p:grpSpPr>
+        <p:cxnSp>
+          <p:nvCxnSpPr>
+            <p:cNvPr id="19" name="직선 연결선 18">
+              <a:extLst>
+                <a:ext uri="{FF2B5EF4-FFF2-40B4-BE49-F238E27FC236}">
+                  <a16:creationId xmlns:a16="http://schemas.microsoft.com/office/drawing/2014/main" id="{5365C5AB-2FD9-4292-9F2E-48B4C56AEC17}"/>
+                </a:ext>
+              </a:extLst>
+            </p:cNvPr>
+            <p:cNvCxnSpPr>
+              <a:cxnSpLocks/>
+            </p:cNvCxnSpPr>
+            <p:nvPr/>
+          </p:nvCxnSpPr>
+          <p:spPr>
+            <a:xfrm>
+              <a:off x="1813560" y="1811045"/>
+              <a:ext cx="1145540" cy="0"/>
+            </a:xfrm>
+            <a:prstGeom prst="line">
+              <a:avLst/>
+            </a:prstGeom>
+            <a:ln w="28575"/>
+          </p:spPr>
+          <p:style>
+            <a:lnRef idx="1">
+              <a:schemeClr val="accent1"/>
+            </a:lnRef>
+            <a:fillRef idx="0">
+              <a:schemeClr val="accent1"/>
+            </a:fillRef>
+            <a:effectRef idx="0">
+              <a:schemeClr val="accent1"/>
+            </a:effectRef>
+            <a:fontRef idx="minor">
+              <a:schemeClr val="tx1"/>
+            </a:fontRef>
+          </p:style>
+        </p:cxnSp>
+        <p:sp>
+          <p:nvSpPr>
+            <p:cNvPr id="20" name="타원 19">
+              <a:extLst>
+                <a:ext uri="{FF2B5EF4-FFF2-40B4-BE49-F238E27FC236}">
+                  <a16:creationId xmlns:a16="http://schemas.microsoft.com/office/drawing/2014/main" id="{70FBB0B4-D42D-478D-B11E-25CF8A45D9E0}"/>
+                </a:ext>
+              </a:extLst>
+            </p:cNvPr>
+            <p:cNvSpPr/>
+            <p:nvPr/>
+          </p:nvSpPr>
+          <p:spPr>
+            <a:xfrm flipV="1">
+              <a:off x="2353704" y="1778419"/>
+              <a:ext cx="65252" cy="65252"/>
+            </a:xfrm>
+            <a:prstGeom prst="ellipse">
+              <a:avLst/>
+            </a:prstGeom>
+            <a:ln>
+              <a:noFill/>
+            </a:ln>
+          </p:spPr>
+          <p:style>
+            <a:lnRef idx="2">
+              <a:schemeClr val="accent1">
+                <a:shade val="50000"/>
+              </a:schemeClr>
+            </a:lnRef>
+            <a:fillRef idx="1">
+              <a:schemeClr val="accent1"/>
+            </a:fillRef>
+            <a:effectRef idx="0">
+              <a:schemeClr val="accent1"/>
+            </a:effectRef>
+            <a:fontRef idx="minor">
+              <a:schemeClr val="lt1"/>
+            </a:fontRef>
+          </p:style>
+          <p:txBody>
+            <a:bodyPr rtlCol="0" anchor="ctr"/>
+            <a:lstStyle/>
+            <a:p>
+              <a:pPr algn="ctr"/>
+              <a:endParaRPr lang="ko-KR" altLang="en-US"/>
+            </a:p>
+          </p:txBody>
+        </p:sp>
+      </p:grpSp>
+      <p:grpSp>
+        <p:nvGrpSpPr>
+          <p:cNvPr id="21" name="그룹 20">
+            <a:extLst>
+              <a:ext uri="{FF2B5EF4-FFF2-40B4-BE49-F238E27FC236}">
+                <a16:creationId xmlns:a16="http://schemas.microsoft.com/office/drawing/2014/main" id="{8250B2C9-4F9B-4BD4-AC69-B5996E770CBF}"/>
+              </a:ext>
+            </a:extLst>
+          </p:cNvPr>
+          <p:cNvGrpSpPr/>
+          <p:nvPr/>
+        </p:nvGrpSpPr>
+        <p:grpSpPr>
+          <a:xfrm>
+            <a:off x="6465458" y="3396374"/>
+            <a:ext cx="1145540" cy="65252"/>
+            <a:chOff x="2363975" y="4095491"/>
+            <a:chExt cx="1145540" cy="65252"/>
+          </a:xfrm>
+        </p:grpSpPr>
+        <p:cxnSp>
+          <p:nvCxnSpPr>
+            <p:cNvPr id="22" name="직선 연결선 21">
+              <a:extLst>
+                <a:ext uri="{FF2B5EF4-FFF2-40B4-BE49-F238E27FC236}">
+                  <a16:creationId xmlns:a16="http://schemas.microsoft.com/office/drawing/2014/main" id="{481A3BF4-C290-4EBE-BE4B-E9A27172EEE4}"/>
+                </a:ext>
+              </a:extLst>
+            </p:cNvPr>
+            <p:cNvCxnSpPr>
+              <a:cxnSpLocks/>
+            </p:cNvCxnSpPr>
+            <p:nvPr/>
+          </p:nvCxnSpPr>
+          <p:spPr>
+            <a:xfrm>
+              <a:off x="2363975" y="4128117"/>
+              <a:ext cx="1145540" cy="0"/>
+            </a:xfrm>
+            <a:prstGeom prst="line">
+              <a:avLst/>
+            </a:prstGeom>
+            <a:solidFill>
+              <a:schemeClr val="accent2"/>
+            </a:solidFill>
+            <a:ln w="28575">
+              <a:solidFill>
+                <a:schemeClr val="accent2"/>
+              </a:solidFill>
+            </a:ln>
+          </p:spPr>
+          <p:style>
+            <a:lnRef idx="1">
+              <a:schemeClr val="accent1"/>
+            </a:lnRef>
+            <a:fillRef idx="0">
+              <a:schemeClr val="accent1"/>
+            </a:fillRef>
+            <a:effectRef idx="0">
+              <a:schemeClr val="accent1"/>
+            </a:effectRef>
+            <a:fontRef idx="minor">
+              <a:schemeClr val="tx1"/>
+            </a:fontRef>
+          </p:style>
+        </p:cxnSp>
+        <p:sp>
+          <p:nvSpPr>
+            <p:cNvPr id="23" name="타원 22">
+              <a:extLst>
+                <a:ext uri="{FF2B5EF4-FFF2-40B4-BE49-F238E27FC236}">
+                  <a16:creationId xmlns:a16="http://schemas.microsoft.com/office/drawing/2014/main" id="{8FECAB74-819D-4607-BD9E-4AD0F15D11C6}"/>
+                </a:ext>
+              </a:extLst>
+            </p:cNvPr>
+            <p:cNvSpPr/>
+            <p:nvPr/>
+          </p:nvSpPr>
+          <p:spPr>
+            <a:xfrm flipV="1">
+              <a:off x="2904119" y="4095491"/>
+              <a:ext cx="65252" cy="65252"/>
+            </a:xfrm>
+            <a:prstGeom prst="ellipse">
+              <a:avLst/>
+            </a:prstGeom>
+            <a:solidFill>
+              <a:schemeClr val="accent2"/>
+            </a:solidFill>
+            <a:ln>
+              <a:solidFill>
+                <a:schemeClr val="accent2"/>
+              </a:solidFill>
+            </a:ln>
+          </p:spPr>
+          <p:style>
+            <a:lnRef idx="2">
+              <a:schemeClr val="accent1">
+                <a:shade val="50000"/>
+              </a:schemeClr>
+            </a:lnRef>
+            <a:fillRef idx="1">
+              <a:schemeClr val="accent1"/>
+            </a:fillRef>
+            <a:effectRef idx="0">
+              <a:schemeClr val="accent1"/>
+            </a:effectRef>
+            <a:fontRef idx="minor">
+              <a:schemeClr val="lt1"/>
+            </a:fontRef>
+          </p:style>
+          <p:txBody>
+            <a:bodyPr rtlCol="0" anchor="ctr"/>
+            <a:lstStyle/>
+            <a:p>
+              <a:pPr algn="ctr"/>
+              <a:endParaRPr lang="ko-KR" altLang="en-US"/>
+            </a:p>
+          </p:txBody>
+        </p:sp>
+      </p:grpSp>
+      <mc:AlternateContent xmlns:mc="http://schemas.openxmlformats.org/markup-compatibility/2006">
+        <mc:Choice xmlns:a14="http://schemas.microsoft.com/office/drawing/2010/main" Requires="a14">
+          <p:sp>
+            <p:nvSpPr>
+              <p:cNvPr id="25" name="TextBox 24">
+                <a:extLst>
+                  <a:ext uri="{FF2B5EF4-FFF2-40B4-BE49-F238E27FC236}">
+                    <a16:creationId xmlns:a16="http://schemas.microsoft.com/office/drawing/2014/main" id="{12D1AD62-FF8F-4EDA-ABCE-094139C441EB}"/>
+                  </a:ext>
+                </a:extLst>
+              </p:cNvPr>
+              <p:cNvSpPr txBox="1"/>
+              <p:nvPr/>
+            </p:nvSpPr>
+            <p:spPr>
+              <a:xfrm>
+                <a:off x="688933" y="852256"/>
+                <a:ext cx="804195" cy="369332"/>
+              </a:xfrm>
+              <a:prstGeom prst="rect">
+                <a:avLst/>
+              </a:prstGeom>
+              <a:noFill/>
+            </p:spPr>
+            <p:txBody>
+              <a:bodyPr wrap="none" rtlCol="0">
+                <a:spAutoFit/>
+              </a:bodyPr>
+              <a:lstStyle/>
+              <a:p>
+                <a14:m>
+                  <m:oMathPara xmlns:m="http://schemas.openxmlformats.org/officeDocument/2006/math">
+                    <m:oMathParaPr>
+                      <m:jc m:val="centerGroup"/>
+                    </m:oMathParaPr>
+                    <m:oMath xmlns:m="http://schemas.openxmlformats.org/officeDocument/2006/math">
+                      <m:r>
+                        <a:rPr lang="en-US" altLang="ko-KR" b="0" i="1" smtClean="0">
+                          <a:latin typeface="Cambria Math" panose="02040503050406030204" pitchFamily="18" charset="0"/>
+                        </a:rPr>
+                        <m:t>𝑛</m:t>
+                      </m:r>
+                      <m:r>
+                        <a:rPr lang="en-US" altLang="ko-KR" b="0" i="1" smtClean="0">
+                          <a:latin typeface="Cambria Math" panose="02040503050406030204" pitchFamily="18" charset="0"/>
+                        </a:rPr>
+                        <m:t>=5</m:t>
+                      </m:r>
+                    </m:oMath>
+                  </m:oMathPara>
+                </a14:m>
+                <a:endParaRPr lang="ko-KR" altLang="en-US" dirty="0"/>
+              </a:p>
+            </p:txBody>
+          </p:sp>
+        </mc:Choice>
+        <mc:Fallback>
+          <p:sp>
+            <p:nvSpPr>
+              <p:cNvPr id="25" name="TextBox 24">
+                <a:extLst>
+                  <a:ext uri="{FF2B5EF4-FFF2-40B4-BE49-F238E27FC236}">
+                    <a16:creationId xmlns:a16="http://schemas.microsoft.com/office/drawing/2014/main" id="{12D1AD62-FF8F-4EDA-ABCE-094139C441EB}"/>
+                  </a:ext>
+                </a:extLst>
+              </p:cNvPr>
+              <p:cNvSpPr txBox="1">
+                <a:spLocks noRot="1" noChangeAspect="1" noMove="1" noResize="1" noEditPoints="1" noAdjustHandles="1" noChangeArrowheads="1" noChangeShapeType="1" noTextEdit="1"/>
+              </p:cNvSpPr>
+              <p:nvPr/>
+            </p:nvSpPr>
+            <p:spPr>
+              <a:xfrm>
+                <a:off x="688933" y="852256"/>
+                <a:ext cx="804195" cy="369332"/>
+              </a:xfrm>
+              <a:prstGeom prst="rect">
+                <a:avLst/>
+              </a:prstGeom>
+              <a:blipFill>
+                <a:blip r:embed="rId4"/>
+                <a:stretch>
+                  <a:fillRect/>
+                </a:stretch>
+              </a:blipFill>
+            </p:spPr>
+            <p:txBody>
+              <a:bodyPr/>
+              <a:lstStyle/>
+              <a:p>
+                <a:r>
+                  <a:rPr lang="ko-KR" altLang="en-US">
+                    <a:noFill/>
+                  </a:rPr>
+                  <a:t> </a:t>
+                </a:r>
+              </a:p>
+            </p:txBody>
+          </p:sp>
+        </mc:Fallback>
+      </mc:AlternateContent>
+      <mc:AlternateContent xmlns:mc="http://schemas.openxmlformats.org/markup-compatibility/2006">
+        <mc:Choice xmlns:a14="http://schemas.microsoft.com/office/drawing/2010/main" Requires="a14">
+          <p:sp>
+            <p:nvSpPr>
+              <p:cNvPr id="26" name="TextBox 25">
+                <a:extLst>
+                  <a:ext uri="{FF2B5EF4-FFF2-40B4-BE49-F238E27FC236}">
+                    <a16:creationId xmlns:a16="http://schemas.microsoft.com/office/drawing/2014/main" id="{DCA80306-E3DC-410C-8277-44BC7D2BAB56}"/>
+                  </a:ext>
+                </a:extLst>
+              </p:cNvPr>
+              <p:cNvSpPr txBox="1"/>
+              <p:nvPr/>
+            </p:nvSpPr>
+            <p:spPr>
+              <a:xfrm>
+                <a:off x="4796026" y="852256"/>
+                <a:ext cx="932435" cy="369332"/>
+              </a:xfrm>
+              <a:prstGeom prst="rect">
+                <a:avLst/>
+              </a:prstGeom>
+              <a:noFill/>
+            </p:spPr>
+            <p:txBody>
+              <a:bodyPr wrap="none" rtlCol="0">
+                <a:spAutoFit/>
+              </a:bodyPr>
+              <a:lstStyle/>
+              <a:p>
+                <a14:m>
+                  <m:oMathPara xmlns:m="http://schemas.openxmlformats.org/officeDocument/2006/math">
+                    <m:oMathParaPr>
+                      <m:jc m:val="centerGroup"/>
+                    </m:oMathParaPr>
+                    <m:oMath xmlns:m="http://schemas.openxmlformats.org/officeDocument/2006/math">
+                      <m:r>
+                        <a:rPr lang="en-US" altLang="ko-KR" b="0" i="1" smtClean="0">
+                          <a:latin typeface="Cambria Math" panose="02040503050406030204" pitchFamily="18" charset="0"/>
+                        </a:rPr>
+                        <m:t>𝑛</m:t>
+                      </m:r>
+                      <m:r>
+                        <a:rPr lang="en-US" altLang="ko-KR" b="0" i="1" smtClean="0">
+                          <a:latin typeface="Cambria Math" panose="02040503050406030204" pitchFamily="18" charset="0"/>
+                        </a:rPr>
+                        <m:t>=20</m:t>
+                      </m:r>
+                    </m:oMath>
+                  </m:oMathPara>
+                </a14:m>
+                <a:endParaRPr lang="ko-KR" altLang="en-US" dirty="0"/>
+              </a:p>
+            </p:txBody>
+          </p:sp>
+        </mc:Choice>
+        <mc:Fallback>
+          <p:sp>
+            <p:nvSpPr>
+              <p:cNvPr id="26" name="TextBox 25">
+                <a:extLst>
+                  <a:ext uri="{FF2B5EF4-FFF2-40B4-BE49-F238E27FC236}">
+                    <a16:creationId xmlns:a16="http://schemas.microsoft.com/office/drawing/2014/main" id="{DCA80306-E3DC-410C-8277-44BC7D2BAB56}"/>
+                  </a:ext>
+                </a:extLst>
+              </p:cNvPr>
+              <p:cNvSpPr txBox="1">
+                <a:spLocks noRot="1" noChangeAspect="1" noMove="1" noResize="1" noEditPoints="1" noAdjustHandles="1" noChangeArrowheads="1" noChangeShapeType="1" noTextEdit="1"/>
+              </p:cNvSpPr>
+              <p:nvPr/>
+            </p:nvSpPr>
+            <p:spPr>
+              <a:xfrm>
+                <a:off x="4796026" y="852256"/>
+                <a:ext cx="932435" cy="369332"/>
+              </a:xfrm>
+              <a:prstGeom prst="rect">
+                <a:avLst/>
+              </a:prstGeom>
+              <a:blipFill>
+                <a:blip r:embed="rId5"/>
+                <a:stretch>
+                  <a:fillRect/>
+                </a:stretch>
+              </a:blipFill>
+            </p:spPr>
+            <p:txBody>
+              <a:bodyPr/>
+              <a:lstStyle/>
+              <a:p>
+                <a:r>
+                  <a:rPr lang="ko-KR" altLang="en-US">
+                    <a:noFill/>
+                  </a:rPr>
+                  <a:t> </a:t>
+                </a:r>
+              </a:p>
+            </p:txBody>
+          </p:sp>
+        </mc:Fallback>
+      </mc:AlternateContent>
+    </p:spTree>
+    <p:extLst>
+      <p:ext uri="{BB962C8B-B14F-4D97-AF65-F5344CB8AC3E}">
+        <p14:creationId xmlns:p14="http://schemas.microsoft.com/office/powerpoint/2010/main" val="2343437673"/>
+      </p:ext>
+    </p:extLst>
+  </p:cSld>
+  <p:clrMapOvr>
+    <a:masterClrMapping/>
+  </p:clrMapOvr>
+</p:sld>
+</file>
+
 <file path=ppt/theme/theme1.xml><?xml version="1.0" encoding="utf-8"?>
 <a:theme xmlns:a="http://schemas.openxmlformats.org/drawingml/2006/main" name="Office 테마">
   <a:themeElements>

--- a/pics/2020-02-13-Students_t_test/pics.pptx
+++ b/pics/2020-02-13-Students_t_test/pics.pptx
@@ -5,11 +5,8 @@
     <p:sldMasterId id="2147483660" r:id="rId1"/>
   </p:sldMasterIdLst>
   <p:sldIdLst>
-    <p:sldId id="256" r:id="rId2"/>
-    <p:sldId id="257" r:id="rId3"/>
-    <p:sldId id="258" r:id="rId4"/>
-    <p:sldId id="259" r:id="rId5"/>
-    <p:sldId id="260" r:id="rId6"/>
+    <p:sldId id="259" r:id="rId2"/>
+    <p:sldId id="260" r:id="rId3"/>
   </p:sldIdLst>
   <p:sldSz cx="9144000" cy="6858000" type="screen4x3"/>
   <p:notesSz cx="6858000" cy="9144000"/>
@@ -247,7 +244,7 @@
           <a:p>
             <a:fld id="{63BD1D83-48CC-42D0-AB36-0F80C9FDD5DB}" type="datetimeFigureOut">
               <a:rPr lang="ko-KR" altLang="en-US" smtClean="0"/>
-              <a:t>2020-02-14</a:t>
+              <a:t>2020-02-22</a:t>
             </a:fld>
             <a:endParaRPr lang="ko-KR" altLang="en-US"/>
           </a:p>
@@ -417,7 +414,7 @@
           <a:p>
             <a:fld id="{63BD1D83-48CC-42D0-AB36-0F80C9FDD5DB}" type="datetimeFigureOut">
               <a:rPr lang="ko-KR" altLang="en-US" smtClean="0"/>
-              <a:t>2020-02-14</a:t>
+              <a:t>2020-02-22</a:t>
             </a:fld>
             <a:endParaRPr lang="ko-KR" altLang="en-US"/>
           </a:p>
@@ -597,7 +594,7 @@
           <a:p>
             <a:fld id="{63BD1D83-48CC-42D0-AB36-0F80C9FDD5DB}" type="datetimeFigureOut">
               <a:rPr lang="ko-KR" altLang="en-US" smtClean="0"/>
-              <a:t>2020-02-14</a:t>
+              <a:t>2020-02-22</a:t>
             </a:fld>
             <a:endParaRPr lang="ko-KR" altLang="en-US"/>
           </a:p>
@@ -767,7 +764,7 @@
           <a:p>
             <a:fld id="{63BD1D83-48CC-42D0-AB36-0F80C9FDD5DB}" type="datetimeFigureOut">
               <a:rPr lang="ko-KR" altLang="en-US" smtClean="0"/>
-              <a:t>2020-02-14</a:t>
+              <a:t>2020-02-22</a:t>
             </a:fld>
             <a:endParaRPr lang="ko-KR" altLang="en-US"/>
           </a:p>
@@ -1011,7 +1008,7 @@
           <a:p>
             <a:fld id="{63BD1D83-48CC-42D0-AB36-0F80C9FDD5DB}" type="datetimeFigureOut">
               <a:rPr lang="ko-KR" altLang="en-US" smtClean="0"/>
-              <a:t>2020-02-14</a:t>
+              <a:t>2020-02-22</a:t>
             </a:fld>
             <a:endParaRPr lang="ko-KR" altLang="en-US"/>
           </a:p>
@@ -1243,7 +1240,7 @@
           <a:p>
             <a:fld id="{63BD1D83-48CC-42D0-AB36-0F80C9FDD5DB}" type="datetimeFigureOut">
               <a:rPr lang="ko-KR" altLang="en-US" smtClean="0"/>
-              <a:t>2020-02-14</a:t>
+              <a:t>2020-02-22</a:t>
             </a:fld>
             <a:endParaRPr lang="ko-KR" altLang="en-US"/>
           </a:p>
@@ -1610,7 +1607,7 @@
           <a:p>
             <a:fld id="{63BD1D83-48CC-42D0-AB36-0F80C9FDD5DB}" type="datetimeFigureOut">
               <a:rPr lang="ko-KR" altLang="en-US" smtClean="0"/>
-              <a:t>2020-02-14</a:t>
+              <a:t>2020-02-22</a:t>
             </a:fld>
             <a:endParaRPr lang="ko-KR" altLang="en-US"/>
           </a:p>
@@ -1728,7 +1725,7 @@
           <a:p>
             <a:fld id="{63BD1D83-48CC-42D0-AB36-0F80C9FDD5DB}" type="datetimeFigureOut">
               <a:rPr lang="ko-KR" altLang="en-US" smtClean="0"/>
-              <a:t>2020-02-14</a:t>
+              <a:t>2020-02-22</a:t>
             </a:fld>
             <a:endParaRPr lang="ko-KR" altLang="en-US"/>
           </a:p>
@@ -1823,7 +1820,7 @@
           <a:p>
             <a:fld id="{63BD1D83-48CC-42D0-AB36-0F80C9FDD5DB}" type="datetimeFigureOut">
               <a:rPr lang="ko-KR" altLang="en-US" smtClean="0"/>
-              <a:t>2020-02-14</a:t>
+              <a:t>2020-02-22</a:t>
             </a:fld>
             <a:endParaRPr lang="ko-KR" altLang="en-US"/>
           </a:p>
@@ -2100,7 +2097,7 @@
           <a:p>
             <a:fld id="{63BD1D83-48CC-42D0-AB36-0F80C9FDD5DB}" type="datetimeFigureOut">
               <a:rPr lang="ko-KR" altLang="en-US" smtClean="0"/>
-              <a:t>2020-02-14</a:t>
+              <a:t>2020-02-22</a:t>
             </a:fld>
             <a:endParaRPr lang="ko-KR" altLang="en-US"/>
           </a:p>
@@ -2357,7 +2354,7 @@
           <a:p>
             <a:fld id="{63BD1D83-48CC-42D0-AB36-0F80C9FDD5DB}" type="datetimeFigureOut">
               <a:rPr lang="ko-KR" altLang="en-US" smtClean="0"/>
-              <a:t>2020-02-14</a:t>
+              <a:t>2020-02-22</a:t>
             </a:fld>
             <a:endParaRPr lang="ko-KR" altLang="en-US"/>
           </a:p>
@@ -2570,7 +2567,7 @@
           <a:p>
             <a:fld id="{63BD1D83-48CC-42D0-AB36-0F80C9FDD5DB}" type="datetimeFigureOut">
               <a:rPr lang="ko-KR" altLang="en-US" smtClean="0"/>
-              <a:t>2020-02-14</a:t>
+              <a:t>2020-02-22</a:t>
             </a:fld>
             <a:endParaRPr lang="ko-KR" altLang="en-US"/>
           </a:p>
@@ -2975,894 +2972,6 @@
           <a:chExt cx="0" cy="0"/>
         </a:xfrm>
       </p:grpSpPr>
-      <p:pic>
-        <p:nvPicPr>
-          <p:cNvPr id="5" name="그림 4">
-            <a:extLst>
-              <a:ext uri="{FF2B5EF4-FFF2-40B4-BE49-F238E27FC236}">
-                <a16:creationId xmlns:a16="http://schemas.microsoft.com/office/drawing/2014/main" id="{DDE0F36D-5C22-49E6-B4BF-1E53F831C375}"/>
-              </a:ext>
-            </a:extLst>
-          </p:cNvPr>
-          <p:cNvPicPr>
-            <a:picLocks noChangeAspect="1"/>
-          </p:cNvPicPr>
-          <p:nvPr/>
-        </p:nvPicPr>
-        <p:blipFill>
-          <a:blip r:embed="rId2"/>
-          <a:stretch>
-            <a:fillRect/>
-          </a:stretch>
-        </p:blipFill>
-        <p:spPr>
-          <a:xfrm>
-            <a:off x="1697977" y="2312633"/>
-            <a:ext cx="5748046" cy="2232734"/>
-          </a:xfrm>
-          <a:prstGeom prst="rect">
-            <a:avLst/>
-          </a:prstGeom>
-        </p:spPr>
-      </p:pic>
-    </p:spTree>
-    <p:extLst>
-      <p:ext uri="{BB962C8B-B14F-4D97-AF65-F5344CB8AC3E}">
-        <p14:creationId xmlns:p14="http://schemas.microsoft.com/office/powerpoint/2010/main" val="1911227916"/>
-      </p:ext>
-    </p:extLst>
-  </p:cSld>
-  <p:clrMapOvr>
-    <a:masterClrMapping/>
-  </p:clrMapOvr>
-</p:sld>
-</file>
-
-<file path=ppt/slides/slide2.xml><?xml version="1.0" encoding="utf-8"?>
-<p:sld xmlns:a="http://schemas.openxmlformats.org/drawingml/2006/main" xmlns:r="http://schemas.openxmlformats.org/officeDocument/2006/relationships" xmlns:p="http://schemas.openxmlformats.org/presentationml/2006/main">
-  <p:cSld>
-    <p:spTree>
-      <p:nvGrpSpPr>
-        <p:cNvPr id="1" name=""/>
-        <p:cNvGrpSpPr/>
-        <p:nvPr/>
-      </p:nvGrpSpPr>
-      <p:grpSpPr>
-        <a:xfrm>
-          <a:off x="0" y="0"/>
-          <a:ext cx="0" cy="0"/>
-          <a:chOff x="0" y="0"/>
-          <a:chExt cx="0" cy="0"/>
-        </a:xfrm>
-      </p:grpSpPr>
-      <p:pic>
-        <p:nvPicPr>
-          <p:cNvPr id="17" name="그림 16">
-            <a:extLst>
-              <a:ext uri="{FF2B5EF4-FFF2-40B4-BE49-F238E27FC236}">
-                <a16:creationId xmlns:a16="http://schemas.microsoft.com/office/drawing/2014/main" id="{ADF065B7-D2F8-4969-AFB7-013CC0CA8F94}"/>
-              </a:ext>
-            </a:extLst>
-          </p:cNvPr>
-          <p:cNvPicPr>
-            <a:picLocks noChangeAspect="1"/>
-          </p:cNvPicPr>
-          <p:nvPr/>
-        </p:nvPicPr>
-        <p:blipFill>
-          <a:blip r:embed="rId2"/>
-          <a:stretch>
-            <a:fillRect/>
-          </a:stretch>
-        </p:blipFill>
-        <p:spPr>
-          <a:xfrm>
-            <a:off x="1697977" y="2306675"/>
-            <a:ext cx="5748046" cy="2232734"/>
-          </a:xfrm>
-          <a:prstGeom prst="rect">
-            <a:avLst/>
-          </a:prstGeom>
-        </p:spPr>
-      </p:pic>
-      <p:cxnSp>
-        <p:nvCxnSpPr>
-          <p:cNvPr id="19" name="직선 화살표 연결선 18">
-            <a:extLst>
-              <a:ext uri="{FF2B5EF4-FFF2-40B4-BE49-F238E27FC236}">
-                <a16:creationId xmlns:a16="http://schemas.microsoft.com/office/drawing/2014/main" id="{C31D1531-F4F7-4183-B0CD-AD87020E87BD}"/>
-              </a:ext>
-            </a:extLst>
-          </p:cNvPr>
-          <p:cNvCxnSpPr/>
-          <p:nvPr/>
-        </p:nvCxnSpPr>
-        <p:spPr>
-          <a:xfrm>
-            <a:off x="3926403" y="2670048"/>
-            <a:ext cx="1114410" cy="0"/>
-          </a:xfrm>
-          <a:prstGeom prst="straightConnector1">
-            <a:avLst/>
-          </a:prstGeom>
-          <a:ln w="38100">
-            <a:solidFill>
-              <a:srgbClr val="FF0000"/>
-            </a:solidFill>
-            <a:headEnd type="triangle" w="med" len="med"/>
-            <a:tailEnd type="triangle" w="med" len="med"/>
-          </a:ln>
-        </p:spPr>
-        <p:style>
-          <a:lnRef idx="1">
-            <a:schemeClr val="accent1"/>
-          </a:lnRef>
-          <a:fillRef idx="0">
-            <a:schemeClr val="accent1"/>
-          </a:fillRef>
-          <a:effectRef idx="0">
-            <a:schemeClr val="accent1"/>
-          </a:effectRef>
-          <a:fontRef idx="minor">
-            <a:schemeClr val="tx1"/>
-          </a:fontRef>
-        </p:style>
-      </p:cxnSp>
-      <p:sp>
-        <p:nvSpPr>
-          <p:cNvPr id="20" name="TextBox 19">
-            <a:extLst>
-              <a:ext uri="{FF2B5EF4-FFF2-40B4-BE49-F238E27FC236}">
-                <a16:creationId xmlns:a16="http://schemas.microsoft.com/office/drawing/2014/main" id="{023B2AFE-4EBF-46C1-98FC-A3FE54BCA088}"/>
-              </a:ext>
-            </a:extLst>
-          </p:cNvPr>
-          <p:cNvSpPr txBox="1"/>
-          <p:nvPr/>
-        </p:nvSpPr>
-        <p:spPr>
-          <a:xfrm>
-            <a:off x="4318500" y="2119560"/>
-            <a:ext cx="1444626" cy="369332"/>
-          </a:xfrm>
-          <a:prstGeom prst="rect">
-            <a:avLst/>
-          </a:prstGeom>
-          <a:solidFill>
-            <a:schemeClr val="bg1"/>
-          </a:solidFill>
-          <a:ln w="28575">
-            <a:solidFill>
-              <a:srgbClr val="FF0000"/>
-            </a:solidFill>
-          </a:ln>
-        </p:spPr>
-        <p:txBody>
-          <a:bodyPr wrap="none" rtlCol="0">
-            <a:spAutoFit/>
-          </a:bodyPr>
-          <a:lstStyle/>
-          <a:p>
-            <a:r>
-              <a:rPr lang="ko-KR" altLang="en-US" dirty="0"/>
-              <a:t>그룹 간 편차</a:t>
-            </a:r>
-          </a:p>
-        </p:txBody>
-      </p:sp>
-      <p:cxnSp>
-        <p:nvCxnSpPr>
-          <p:cNvPr id="21" name="직선 화살표 연결선 20">
-            <a:extLst>
-              <a:ext uri="{FF2B5EF4-FFF2-40B4-BE49-F238E27FC236}">
-                <a16:creationId xmlns:a16="http://schemas.microsoft.com/office/drawing/2014/main" id="{04E1FB0F-5101-4353-B4FB-FBA10C135932}"/>
-              </a:ext>
-            </a:extLst>
-          </p:cNvPr>
-          <p:cNvCxnSpPr>
-            <a:cxnSpLocks/>
-          </p:cNvCxnSpPr>
-          <p:nvPr/>
-        </p:nvCxnSpPr>
-        <p:spPr>
-          <a:xfrm>
-            <a:off x="3457590" y="3802380"/>
-            <a:ext cx="937626" cy="0"/>
-          </a:xfrm>
-          <a:prstGeom prst="straightConnector1">
-            <a:avLst/>
-          </a:prstGeom>
-          <a:ln w="38100">
-            <a:solidFill>
-              <a:schemeClr val="accent6"/>
-            </a:solidFill>
-            <a:headEnd type="triangle" w="med" len="med"/>
-            <a:tailEnd type="triangle" w="med" len="med"/>
-          </a:ln>
-        </p:spPr>
-        <p:style>
-          <a:lnRef idx="1">
-            <a:schemeClr val="accent1"/>
-          </a:lnRef>
-          <a:fillRef idx="0">
-            <a:schemeClr val="accent1"/>
-          </a:fillRef>
-          <a:effectRef idx="0">
-            <a:schemeClr val="accent1"/>
-          </a:effectRef>
-          <a:fontRef idx="minor">
-            <a:schemeClr val="tx1"/>
-          </a:fontRef>
-        </p:style>
-      </p:cxnSp>
-      <p:sp>
-        <p:nvSpPr>
-          <p:cNvPr id="30" name="TextBox 29">
-            <a:extLst>
-              <a:ext uri="{FF2B5EF4-FFF2-40B4-BE49-F238E27FC236}">
-                <a16:creationId xmlns:a16="http://schemas.microsoft.com/office/drawing/2014/main" id="{A3208993-DA19-471E-82A6-8987578615F8}"/>
-              </a:ext>
-            </a:extLst>
-          </p:cNvPr>
-          <p:cNvSpPr txBox="1"/>
-          <p:nvPr/>
-        </p:nvSpPr>
-        <p:spPr>
-          <a:xfrm>
-            <a:off x="2544777" y="3244334"/>
-            <a:ext cx="1444626" cy="369332"/>
-          </a:xfrm>
-          <a:prstGeom prst="rect">
-            <a:avLst/>
-          </a:prstGeom>
-          <a:solidFill>
-            <a:schemeClr val="bg1"/>
-          </a:solidFill>
-          <a:ln w="28575">
-            <a:solidFill>
-              <a:schemeClr val="accent6"/>
-            </a:solidFill>
-          </a:ln>
-        </p:spPr>
-        <p:txBody>
-          <a:bodyPr wrap="none" rtlCol="0">
-            <a:spAutoFit/>
-          </a:bodyPr>
-          <a:lstStyle/>
-          <a:p>
-            <a:r>
-              <a:rPr lang="ko-KR" altLang="en-US" dirty="0"/>
-              <a:t>그룹 내 편차</a:t>
-            </a:r>
-          </a:p>
-        </p:txBody>
-      </p:sp>
-    </p:spTree>
-    <p:extLst>
-      <p:ext uri="{BB962C8B-B14F-4D97-AF65-F5344CB8AC3E}">
-        <p14:creationId xmlns:p14="http://schemas.microsoft.com/office/powerpoint/2010/main" val="1205332347"/>
-      </p:ext>
-    </p:extLst>
-  </p:cSld>
-  <p:clrMapOvr>
-    <a:masterClrMapping/>
-  </p:clrMapOvr>
-</p:sld>
-</file>
-
-<file path=ppt/slides/slide3.xml><?xml version="1.0" encoding="utf-8"?>
-<p:sld xmlns:a="http://schemas.openxmlformats.org/drawingml/2006/main" xmlns:r="http://schemas.openxmlformats.org/officeDocument/2006/relationships" xmlns:p="http://schemas.openxmlformats.org/presentationml/2006/main">
-  <p:cSld>
-    <p:spTree>
-      <p:nvGrpSpPr>
-        <p:cNvPr id="1" name=""/>
-        <p:cNvGrpSpPr/>
-        <p:nvPr/>
-      </p:nvGrpSpPr>
-      <p:grpSpPr>
-        <a:xfrm>
-          <a:off x="0" y="0"/>
-          <a:ext cx="0" cy="0"/>
-          <a:chOff x="0" y="0"/>
-          <a:chExt cx="0" cy="0"/>
-        </a:xfrm>
-      </p:grpSpPr>
-      <p:pic>
-        <p:nvPicPr>
-          <p:cNvPr id="4" name="그림 3">
-            <a:extLst>
-              <a:ext uri="{FF2B5EF4-FFF2-40B4-BE49-F238E27FC236}">
-                <a16:creationId xmlns:a16="http://schemas.microsoft.com/office/drawing/2014/main" id="{0533B0AA-0351-4C02-A827-3895DDD21EAE}"/>
-              </a:ext>
-            </a:extLst>
-          </p:cNvPr>
-          <p:cNvPicPr>
-            <a:picLocks noChangeAspect="1"/>
-          </p:cNvPicPr>
-          <p:nvPr/>
-        </p:nvPicPr>
-        <p:blipFill>
-          <a:blip r:embed="rId2"/>
-          <a:stretch>
-            <a:fillRect/>
-          </a:stretch>
-        </p:blipFill>
-        <p:spPr>
-          <a:xfrm>
-            <a:off x="2393250" y="1428602"/>
-            <a:ext cx="4357501" cy="1692600"/>
-          </a:xfrm>
-          <a:prstGeom prst="rect">
-            <a:avLst/>
-          </a:prstGeom>
-        </p:spPr>
-      </p:pic>
-      <p:pic>
-        <p:nvPicPr>
-          <p:cNvPr id="5" name="그림 4">
-            <a:extLst>
-              <a:ext uri="{FF2B5EF4-FFF2-40B4-BE49-F238E27FC236}">
-                <a16:creationId xmlns:a16="http://schemas.microsoft.com/office/drawing/2014/main" id="{E24B7E91-F634-412D-8461-3A9785EFADAF}"/>
-              </a:ext>
-            </a:extLst>
-          </p:cNvPr>
-          <p:cNvPicPr>
-            <a:picLocks noChangeAspect="1"/>
-          </p:cNvPicPr>
-          <p:nvPr/>
-        </p:nvPicPr>
-        <p:blipFill>
-          <a:blip r:embed="rId3"/>
-          <a:stretch>
-            <a:fillRect/>
-          </a:stretch>
-        </p:blipFill>
-        <p:spPr>
-          <a:xfrm>
-            <a:off x="339930" y="3736798"/>
-            <a:ext cx="4357501" cy="1692600"/>
-          </a:xfrm>
-          <a:prstGeom prst="rect">
-            <a:avLst/>
-          </a:prstGeom>
-        </p:spPr>
-      </p:pic>
-      <p:pic>
-        <p:nvPicPr>
-          <p:cNvPr id="6" name="그림 5">
-            <a:extLst>
-              <a:ext uri="{FF2B5EF4-FFF2-40B4-BE49-F238E27FC236}">
-                <a16:creationId xmlns:a16="http://schemas.microsoft.com/office/drawing/2014/main" id="{F22CC3D1-B689-4B68-A8B7-6FC92023960B}"/>
-              </a:ext>
-            </a:extLst>
-          </p:cNvPr>
-          <p:cNvPicPr>
-            <a:picLocks noChangeAspect="1"/>
-          </p:cNvPicPr>
-          <p:nvPr/>
-        </p:nvPicPr>
-        <p:blipFill>
-          <a:blip r:embed="rId4"/>
-          <a:stretch>
-            <a:fillRect/>
-          </a:stretch>
-        </p:blipFill>
-        <p:spPr>
-          <a:xfrm>
-            <a:off x="4446570" y="3736798"/>
-            <a:ext cx="4357501" cy="1692600"/>
-          </a:xfrm>
-          <a:prstGeom prst="rect">
-            <a:avLst/>
-          </a:prstGeom>
-        </p:spPr>
-      </p:pic>
-      <p:cxnSp>
-        <p:nvCxnSpPr>
-          <p:cNvPr id="8" name="직선 화살표 연결선 7">
-            <a:extLst>
-              <a:ext uri="{FF2B5EF4-FFF2-40B4-BE49-F238E27FC236}">
-                <a16:creationId xmlns:a16="http://schemas.microsoft.com/office/drawing/2014/main" id="{8B1684DA-73CB-4EFF-8850-42EF19BA3B20}"/>
-              </a:ext>
-            </a:extLst>
-          </p:cNvPr>
-          <p:cNvCxnSpPr>
-            <a:cxnSpLocks/>
-          </p:cNvCxnSpPr>
-          <p:nvPr/>
-        </p:nvCxnSpPr>
-        <p:spPr>
-          <a:xfrm>
-            <a:off x="1880235" y="3979488"/>
-            <a:ext cx="1228725" cy="0"/>
-          </a:xfrm>
-          <a:prstGeom prst="straightConnector1">
-            <a:avLst/>
-          </a:prstGeom>
-          <a:ln w="38100">
-            <a:solidFill>
-              <a:srgbClr val="FF0000"/>
-            </a:solidFill>
-            <a:headEnd type="triangle" w="med" len="med"/>
-            <a:tailEnd type="triangle" w="med" len="med"/>
-          </a:ln>
-        </p:spPr>
-        <p:style>
-          <a:lnRef idx="1">
-            <a:schemeClr val="accent1"/>
-          </a:lnRef>
-          <a:fillRef idx="0">
-            <a:schemeClr val="accent1"/>
-          </a:fillRef>
-          <a:effectRef idx="0">
-            <a:schemeClr val="accent1"/>
-          </a:effectRef>
-          <a:fontRef idx="minor">
-            <a:schemeClr val="tx1"/>
-          </a:fontRef>
-        </p:style>
-      </p:cxnSp>
-      <p:sp>
-        <p:nvSpPr>
-          <p:cNvPr id="9" name="TextBox 8">
-            <a:extLst>
-              <a:ext uri="{FF2B5EF4-FFF2-40B4-BE49-F238E27FC236}">
-                <a16:creationId xmlns:a16="http://schemas.microsoft.com/office/drawing/2014/main" id="{37B6DBFF-9D9F-408C-B925-AE25DAA391FD}"/>
-              </a:ext>
-            </a:extLst>
-          </p:cNvPr>
-          <p:cNvSpPr txBox="1"/>
-          <p:nvPr/>
-        </p:nvSpPr>
-        <p:spPr>
-          <a:xfrm>
-            <a:off x="435609" y="3353695"/>
-            <a:ext cx="1444626" cy="369332"/>
-          </a:xfrm>
-          <a:prstGeom prst="rect">
-            <a:avLst/>
-          </a:prstGeom>
-          <a:solidFill>
-            <a:schemeClr val="bg1"/>
-          </a:solidFill>
-          <a:ln w="28575">
-            <a:solidFill>
-              <a:srgbClr val="FF0000"/>
-            </a:solidFill>
-          </a:ln>
-        </p:spPr>
-        <p:txBody>
-          <a:bodyPr wrap="none" rtlCol="0">
-            <a:spAutoFit/>
-          </a:bodyPr>
-          <a:lstStyle/>
-          <a:p>
-            <a:r>
-              <a:rPr lang="ko-KR" altLang="en-US" dirty="0"/>
-              <a:t>그룹 간 편차</a:t>
-            </a:r>
-          </a:p>
-        </p:txBody>
-      </p:sp>
-      <p:cxnSp>
-        <p:nvCxnSpPr>
-          <p:cNvPr id="14" name="직선 화살표 연결선 13">
-            <a:extLst>
-              <a:ext uri="{FF2B5EF4-FFF2-40B4-BE49-F238E27FC236}">
-                <a16:creationId xmlns:a16="http://schemas.microsoft.com/office/drawing/2014/main" id="{9C12A2FF-CCCC-4625-83CB-97D0AA8A23EB}"/>
-              </a:ext>
-            </a:extLst>
-          </p:cNvPr>
-          <p:cNvCxnSpPr>
-            <a:cxnSpLocks/>
-          </p:cNvCxnSpPr>
-          <p:nvPr/>
-        </p:nvCxnSpPr>
-        <p:spPr>
-          <a:xfrm>
-            <a:off x="6827324" y="4955775"/>
-            <a:ext cx="342715" cy="0"/>
-          </a:xfrm>
-          <a:prstGeom prst="straightConnector1">
-            <a:avLst/>
-          </a:prstGeom>
-          <a:ln w="38100">
-            <a:solidFill>
-              <a:schemeClr val="accent6"/>
-            </a:solidFill>
-            <a:headEnd type="triangle" w="med" len="med"/>
-            <a:tailEnd type="triangle" w="med" len="med"/>
-          </a:ln>
-        </p:spPr>
-        <p:style>
-          <a:lnRef idx="1">
-            <a:schemeClr val="accent1"/>
-          </a:lnRef>
-          <a:fillRef idx="0">
-            <a:schemeClr val="accent1"/>
-          </a:fillRef>
-          <a:effectRef idx="0">
-            <a:schemeClr val="accent1"/>
-          </a:effectRef>
-          <a:fontRef idx="minor">
-            <a:schemeClr val="tx1"/>
-          </a:fontRef>
-        </p:style>
-      </p:cxnSp>
-      <p:sp>
-        <p:nvSpPr>
-          <p:cNvPr id="15" name="TextBox 14">
-            <a:extLst>
-              <a:ext uri="{FF2B5EF4-FFF2-40B4-BE49-F238E27FC236}">
-                <a16:creationId xmlns:a16="http://schemas.microsoft.com/office/drawing/2014/main" id="{787D2902-7776-4E9D-B507-B6A38135D64A}"/>
-              </a:ext>
-            </a:extLst>
-          </p:cNvPr>
-          <p:cNvSpPr txBox="1"/>
-          <p:nvPr/>
-        </p:nvSpPr>
-        <p:spPr>
-          <a:xfrm>
-            <a:off x="7249938" y="4398432"/>
-            <a:ext cx="1444626" cy="369332"/>
-          </a:xfrm>
-          <a:prstGeom prst="rect">
-            <a:avLst/>
-          </a:prstGeom>
-          <a:solidFill>
-            <a:schemeClr val="bg1"/>
-          </a:solidFill>
-          <a:ln w="28575">
-            <a:solidFill>
-              <a:schemeClr val="accent6"/>
-            </a:solidFill>
-          </a:ln>
-        </p:spPr>
-        <p:txBody>
-          <a:bodyPr wrap="none" rtlCol="0">
-            <a:spAutoFit/>
-          </a:bodyPr>
-          <a:lstStyle/>
-          <a:p>
-            <a:r>
-              <a:rPr lang="ko-KR" altLang="en-US" dirty="0"/>
-              <a:t>그룹 내 편차</a:t>
-            </a:r>
-          </a:p>
-        </p:txBody>
-      </p:sp>
-      <p:cxnSp>
-        <p:nvCxnSpPr>
-          <p:cNvPr id="18" name="직선 화살표 연결선 17">
-            <a:extLst>
-              <a:ext uri="{FF2B5EF4-FFF2-40B4-BE49-F238E27FC236}">
-                <a16:creationId xmlns:a16="http://schemas.microsoft.com/office/drawing/2014/main" id="{508D13AE-9E45-4C0D-8632-2FEC40FC8CE5}"/>
-              </a:ext>
-            </a:extLst>
-          </p:cNvPr>
-          <p:cNvCxnSpPr>
-            <a:cxnSpLocks/>
-            <a:endCxn id="5" idx="0"/>
-          </p:cNvCxnSpPr>
-          <p:nvPr/>
-        </p:nvCxnSpPr>
-        <p:spPr>
-          <a:xfrm flipH="1">
-            <a:off x="2518681" y="3121202"/>
-            <a:ext cx="1245451" cy="615596"/>
-          </a:xfrm>
-          <a:prstGeom prst="straightConnector1">
-            <a:avLst/>
-          </a:prstGeom>
-          <a:ln w="38100">
-            <a:solidFill>
-              <a:schemeClr val="tx1"/>
-            </a:solidFill>
-            <a:prstDash val="sysDot"/>
-            <a:tailEnd type="triangle"/>
-          </a:ln>
-        </p:spPr>
-        <p:style>
-          <a:lnRef idx="1">
-            <a:schemeClr val="accent1"/>
-          </a:lnRef>
-          <a:fillRef idx="0">
-            <a:schemeClr val="accent1"/>
-          </a:fillRef>
-          <a:effectRef idx="0">
-            <a:schemeClr val="accent1"/>
-          </a:effectRef>
-          <a:fontRef idx="minor">
-            <a:schemeClr val="tx1"/>
-          </a:fontRef>
-        </p:style>
-      </p:cxnSp>
-      <p:cxnSp>
-        <p:nvCxnSpPr>
-          <p:cNvPr id="20" name="직선 화살표 연결선 19">
-            <a:extLst>
-              <a:ext uri="{FF2B5EF4-FFF2-40B4-BE49-F238E27FC236}">
-                <a16:creationId xmlns:a16="http://schemas.microsoft.com/office/drawing/2014/main" id="{618E11F5-19C7-4190-B85F-D91840FA31A5}"/>
-              </a:ext>
-            </a:extLst>
-          </p:cNvPr>
-          <p:cNvCxnSpPr>
-            <a:cxnSpLocks/>
-          </p:cNvCxnSpPr>
-          <p:nvPr/>
-        </p:nvCxnSpPr>
-        <p:spPr>
-          <a:xfrm>
-            <a:off x="5505300" y="3121202"/>
-            <a:ext cx="1245451" cy="615596"/>
-          </a:xfrm>
-          <a:prstGeom prst="straightConnector1">
-            <a:avLst/>
-          </a:prstGeom>
-          <a:ln w="38100">
-            <a:solidFill>
-              <a:schemeClr val="tx1"/>
-            </a:solidFill>
-            <a:prstDash val="sysDot"/>
-            <a:tailEnd type="triangle"/>
-          </a:ln>
-        </p:spPr>
-        <p:style>
-          <a:lnRef idx="1">
-            <a:schemeClr val="accent1"/>
-          </a:lnRef>
-          <a:fillRef idx="0">
-            <a:schemeClr val="accent1"/>
-          </a:fillRef>
-          <a:effectRef idx="0">
-            <a:schemeClr val="accent1"/>
-          </a:effectRef>
-          <a:fontRef idx="minor">
-            <a:schemeClr val="tx1"/>
-          </a:fontRef>
-        </p:style>
-      </p:cxnSp>
-      <p:sp>
-        <p:nvSpPr>
-          <p:cNvPr id="21" name="TextBox 20">
-            <a:extLst>
-              <a:ext uri="{FF2B5EF4-FFF2-40B4-BE49-F238E27FC236}">
-                <a16:creationId xmlns:a16="http://schemas.microsoft.com/office/drawing/2014/main" id="{59D4F689-1FE9-42D7-A8A3-D3E755CDD410}"/>
-              </a:ext>
-            </a:extLst>
-          </p:cNvPr>
-          <p:cNvSpPr txBox="1"/>
-          <p:nvPr/>
-        </p:nvSpPr>
-        <p:spPr>
-          <a:xfrm>
-            <a:off x="1698458" y="753085"/>
-            <a:ext cx="5747087" cy="461665"/>
-          </a:xfrm>
-          <a:prstGeom prst="rect">
-            <a:avLst/>
-          </a:prstGeom>
-          <a:solidFill>
-            <a:schemeClr val="bg1"/>
-          </a:solidFill>
-          <a:ln w="12700">
-            <a:solidFill>
-              <a:schemeClr val="tx1"/>
-            </a:solidFill>
-          </a:ln>
-        </p:spPr>
-        <p:txBody>
-          <a:bodyPr wrap="none" rtlCol="0">
-            <a:spAutoFit/>
-          </a:bodyPr>
-          <a:lstStyle/>
-          <a:p>
-            <a:pPr algn="ctr"/>
-            <a:r>
-              <a:rPr lang="ko-KR" altLang="en-US" sz="2400" b="1" dirty="0"/>
-              <a:t>두 그룹의 차이가 커질 수 있는 </a:t>
-            </a:r>
-            <a:r>
-              <a:rPr lang="ko-KR" altLang="en-US" sz="2400" b="1"/>
-              <a:t>조건 </a:t>
-            </a:r>
-            <a:r>
-              <a:rPr lang="en-US" altLang="ko-KR" sz="2400" b="1" dirty="0"/>
-              <a:t>2</a:t>
-            </a:r>
-            <a:r>
-              <a:rPr lang="ko-KR" altLang="en-US" sz="2400" b="1" dirty="0"/>
-              <a:t>가지</a:t>
-            </a:r>
-          </a:p>
-        </p:txBody>
-      </p:sp>
-      <p:sp>
-        <p:nvSpPr>
-          <p:cNvPr id="22" name="TextBox 21">
-            <a:extLst>
-              <a:ext uri="{FF2B5EF4-FFF2-40B4-BE49-F238E27FC236}">
-                <a16:creationId xmlns:a16="http://schemas.microsoft.com/office/drawing/2014/main" id="{419F8496-4F48-421A-BBD1-D174B9DB0F07}"/>
-              </a:ext>
-            </a:extLst>
-          </p:cNvPr>
-          <p:cNvSpPr txBox="1"/>
-          <p:nvPr/>
-        </p:nvSpPr>
-        <p:spPr>
-          <a:xfrm>
-            <a:off x="2901211" y="3081569"/>
-            <a:ext cx="415498" cy="369332"/>
-          </a:xfrm>
-          <a:prstGeom prst="rect">
-            <a:avLst/>
-          </a:prstGeom>
-          <a:noFill/>
-        </p:spPr>
-        <p:txBody>
-          <a:bodyPr wrap="none" rtlCol="0">
-            <a:spAutoFit/>
-          </a:bodyPr>
-          <a:lstStyle/>
-          <a:p>
-            <a:r>
-              <a:rPr lang="ko-KR" altLang="en-US" dirty="0"/>
-              <a:t>①</a:t>
-            </a:r>
-          </a:p>
-        </p:txBody>
-      </p:sp>
-      <p:sp>
-        <p:nvSpPr>
-          <p:cNvPr id="23" name="TextBox 22">
-            <a:extLst>
-              <a:ext uri="{FF2B5EF4-FFF2-40B4-BE49-F238E27FC236}">
-                <a16:creationId xmlns:a16="http://schemas.microsoft.com/office/drawing/2014/main" id="{8AFA7BEA-E017-47C8-BA50-44A6595E598E}"/>
-              </a:ext>
-            </a:extLst>
-          </p:cNvPr>
-          <p:cNvSpPr txBox="1"/>
-          <p:nvPr/>
-        </p:nvSpPr>
-        <p:spPr>
-          <a:xfrm>
-            <a:off x="5920276" y="3081569"/>
-            <a:ext cx="415498" cy="369332"/>
-          </a:xfrm>
-          <a:prstGeom prst="rect">
-            <a:avLst/>
-          </a:prstGeom>
-          <a:noFill/>
-        </p:spPr>
-        <p:txBody>
-          <a:bodyPr wrap="none" rtlCol="0">
-            <a:spAutoFit/>
-          </a:bodyPr>
-          <a:lstStyle/>
-          <a:p>
-            <a:r>
-              <a:rPr lang="ko-KR" altLang="en-US" dirty="0"/>
-              <a:t>②</a:t>
-            </a:r>
-          </a:p>
-        </p:txBody>
-      </p:sp>
-      <p:sp>
-        <p:nvSpPr>
-          <p:cNvPr id="24" name="TextBox 23">
-            <a:extLst>
-              <a:ext uri="{FF2B5EF4-FFF2-40B4-BE49-F238E27FC236}">
-                <a16:creationId xmlns:a16="http://schemas.microsoft.com/office/drawing/2014/main" id="{BE431D9F-7AA8-4DB3-B964-F2F4E56EDF21}"/>
-              </a:ext>
-            </a:extLst>
-          </p:cNvPr>
-          <p:cNvSpPr txBox="1"/>
-          <p:nvPr/>
-        </p:nvSpPr>
-        <p:spPr>
-          <a:xfrm>
-            <a:off x="1269507" y="5584054"/>
-            <a:ext cx="2651688" cy="369332"/>
-          </a:xfrm>
-          <a:prstGeom prst="rect">
-            <a:avLst/>
-          </a:prstGeom>
-          <a:noFill/>
-          <a:ln>
-            <a:solidFill>
-              <a:schemeClr val="tx1"/>
-            </a:solidFill>
-          </a:ln>
-        </p:spPr>
-        <p:txBody>
-          <a:bodyPr wrap="none" rtlCol="0">
-            <a:spAutoFit/>
-          </a:bodyPr>
-          <a:lstStyle/>
-          <a:p>
-            <a:pPr algn="ctr"/>
-            <a:r>
-              <a:rPr lang="ko-KR" altLang="en-US" dirty="0"/>
-              <a:t>그룹 간 </a:t>
-            </a:r>
-            <a:r>
-              <a:rPr lang="ko-KR" altLang="en-US"/>
-              <a:t>편차가 커지거나</a:t>
-            </a:r>
-          </a:p>
-        </p:txBody>
-      </p:sp>
-      <p:sp>
-        <p:nvSpPr>
-          <p:cNvPr id="25" name="TextBox 24">
-            <a:extLst>
-              <a:ext uri="{FF2B5EF4-FFF2-40B4-BE49-F238E27FC236}">
-                <a16:creationId xmlns:a16="http://schemas.microsoft.com/office/drawing/2014/main" id="{565EBCC9-1EA2-4DDC-983F-E2DF88FF74E7}"/>
-              </a:ext>
-            </a:extLst>
-          </p:cNvPr>
-          <p:cNvSpPr txBox="1"/>
-          <p:nvPr/>
-        </p:nvSpPr>
-        <p:spPr>
-          <a:xfrm>
-            <a:off x="5256227" y="5584054"/>
-            <a:ext cx="2882520" cy="369332"/>
-          </a:xfrm>
-          <a:prstGeom prst="rect">
-            <a:avLst/>
-          </a:prstGeom>
-          <a:noFill/>
-          <a:ln>
-            <a:solidFill>
-              <a:schemeClr val="tx1"/>
-            </a:solidFill>
-          </a:ln>
-        </p:spPr>
-        <p:txBody>
-          <a:bodyPr wrap="none" rtlCol="0">
-            <a:spAutoFit/>
-          </a:bodyPr>
-          <a:lstStyle/>
-          <a:p>
-            <a:pPr algn="ctr"/>
-            <a:r>
-              <a:rPr lang="ko-KR" altLang="en-US" dirty="0"/>
-              <a:t>그룹 내 편차가 작아지거나</a:t>
-            </a:r>
-          </a:p>
-        </p:txBody>
-      </p:sp>
-    </p:spTree>
-    <p:extLst>
-      <p:ext uri="{BB962C8B-B14F-4D97-AF65-F5344CB8AC3E}">
-        <p14:creationId xmlns:p14="http://schemas.microsoft.com/office/powerpoint/2010/main" val="336787224"/>
-      </p:ext>
-    </p:extLst>
-  </p:cSld>
-  <p:clrMapOvr>
-    <a:masterClrMapping/>
-  </p:clrMapOvr>
-</p:sld>
-</file>
-
-<file path=ppt/slides/slide4.xml><?xml version="1.0" encoding="utf-8"?>
-<p:sld xmlns:a="http://schemas.openxmlformats.org/drawingml/2006/main" xmlns:r="http://schemas.openxmlformats.org/officeDocument/2006/relationships" xmlns:p="http://schemas.openxmlformats.org/presentationml/2006/main">
-  <p:cSld>
-    <p:spTree>
-      <p:nvGrpSpPr>
-        <p:cNvPr id="1" name=""/>
-        <p:cNvGrpSpPr/>
-        <p:nvPr/>
-      </p:nvGrpSpPr>
-      <p:grpSpPr>
-        <a:xfrm>
-          <a:off x="0" y="0"/>
-          <a:ext cx="0" cy="0"/>
-          <a:chOff x="0" y="0"/>
-          <a:chExt cx="0" cy="0"/>
-        </a:xfrm>
-      </p:grpSpPr>
       <mc:AlternateContent xmlns:mc="http://schemas.openxmlformats.org/markup-compatibility/2006">
         <mc:Choice xmlns:a14="http://schemas.microsoft.com/office/drawing/2010/main" Requires="a14">
           <p:sp>
@@ -3879,8 +2988,8 @@
             </p:nvSpPr>
             <p:spPr>
               <a:xfrm>
-                <a:off x="652588" y="2293948"/>
-                <a:ext cx="7838826" cy="2270109"/>
+                <a:off x="2450239" y="2216811"/>
+                <a:ext cx="5184558" cy="2424382"/>
               </a:xfrm>
               <a:prstGeom prst="rect">
                 <a:avLst/>
@@ -3921,99 +3030,192 @@
                           </m:ctrlPr>
                         </m:fPr>
                         <m:num>
-                          <m:r>
-                            <a:rPr lang="ko-KR" altLang="en-US" sz="6600" i="1">
-                              <a:latin typeface="+mj-ea"/>
-                              <a:ea typeface="+mj-ea"/>
-                            </a:rPr>
-                            <m:t>그</m:t>
-                          </m:r>
-                          <m:r>
-                            <a:rPr lang="ko-KR" altLang="en-US" sz="6600" i="1" smtClean="0">
-                              <a:latin typeface="+mj-ea"/>
-                              <a:ea typeface="+mj-ea"/>
-                            </a:rPr>
-                            <m:t>룹</m:t>
-                          </m:r>
-                          <m:r>
-                            <a:rPr lang="en-US" altLang="ko-KR" sz="6600" b="0" i="1" smtClean="0">
-                              <a:latin typeface="+mj-ea"/>
-                              <a:ea typeface="+mj-ea"/>
-                            </a:rPr>
-                            <m:t> </m:t>
-                          </m:r>
-                          <m:r>
-                            <a:rPr lang="ko-KR" altLang="en-US" sz="6600" i="1">
-                              <a:latin typeface="+mj-ea"/>
-                              <a:ea typeface="+mj-ea"/>
-                            </a:rPr>
-                            <m:t>간</m:t>
-                          </m:r>
-                          <m:r>
-                            <a:rPr lang="en-US" altLang="ko-KR" sz="6600" b="0" i="1" smtClean="0">
-                              <a:latin typeface="+mj-ea"/>
-                              <a:ea typeface="+mj-ea"/>
-                            </a:rPr>
-                            <m:t> </m:t>
-                          </m:r>
-                          <m:r>
-                            <a:rPr lang="ko-KR" altLang="en-US" sz="6600" i="1">
-                              <a:latin typeface="+mj-ea"/>
-                              <a:ea typeface="+mj-ea"/>
-                            </a:rPr>
-                            <m:t>편</m:t>
-                          </m:r>
-                          <m:r>
-                            <a:rPr lang="ko-KR" altLang="en-US" sz="6600" i="1" smtClean="0">
-                              <a:latin typeface="+mj-ea"/>
-                              <a:ea typeface="+mj-ea"/>
-                            </a:rPr>
-                            <m:t>차</m:t>
-                          </m:r>
-                        </m:num>
-                        <m:den>
-                          <m:r>
-                            <a:rPr lang="ko-KR" altLang="en-US" sz="6600" i="1">
-                              <a:latin typeface="Cambria Math" panose="02040503050406030204" pitchFamily="18" charset="0"/>
-                            </a:rPr>
-                            <m:t>그</m:t>
-                          </m:r>
-                          <m:r>
-                            <a:rPr lang="ko-KR" altLang="en-US" sz="6600" i="1" smtClean="0">
-                              <a:latin typeface="Cambria Math" panose="02040503050406030204" pitchFamily="18" charset="0"/>
-                            </a:rPr>
-                            <m:t>룹</m:t>
-                          </m:r>
+                          <m:sSub>
+                            <m:sSubPr>
+                              <m:ctrlPr>
+                                <a:rPr lang="en-US" altLang="ko-KR" sz="6600" b="0" i="1" smtClean="0">
+                                  <a:latin typeface="Cambria Math" panose="02040503050406030204" pitchFamily="18" charset="0"/>
+                                  <a:ea typeface="+mj-ea"/>
+                                </a:rPr>
+                              </m:ctrlPr>
+                            </m:sSubPr>
+                            <m:e>
+                              <m:acc>
+                                <m:accPr>
+                                  <m:chr m:val="̅"/>
+                                  <m:ctrlPr>
+                                    <a:rPr lang="en-US" altLang="ko-KR" sz="6600" b="0" i="1" smtClean="0">
+                                      <a:latin typeface="Cambria Math" panose="02040503050406030204" pitchFamily="18" charset="0"/>
+                                      <a:ea typeface="+mj-ea"/>
+                                    </a:rPr>
+                                  </m:ctrlPr>
+                                </m:accPr>
+                                <m:e>
+                                  <m:r>
+                                    <a:rPr lang="en-US" altLang="ko-KR" sz="6600" b="0" i="1" smtClean="0">
+                                      <a:latin typeface="Cambria Math" panose="02040503050406030204" pitchFamily="18" charset="0"/>
+                                      <a:ea typeface="+mj-ea"/>
+                                    </a:rPr>
+                                    <m:t>𝑋</m:t>
+                                  </m:r>
+                                </m:e>
+                              </m:acc>
+                            </m:e>
+                            <m:sub>
+                              <m:r>
+                                <a:rPr lang="en-US" altLang="ko-KR" sz="6600" b="0" i="1" smtClean="0">
+                                  <a:latin typeface="Cambria Math" panose="02040503050406030204" pitchFamily="18" charset="0"/>
+                                </a:rPr>
+                                <m:t>1</m:t>
+                              </m:r>
+                            </m:sub>
+                          </m:sSub>
                           <m:r>
                             <a:rPr lang="en-US" altLang="ko-KR" sz="6600" b="0" i="1" smtClean="0">
                               <a:latin typeface="Cambria Math" panose="02040503050406030204" pitchFamily="18" charset="0"/>
                             </a:rPr>
-                            <m:t> </m:t>
+                            <m:t>−</m:t>
                           </m:r>
-                          <m:r>
-                            <a:rPr lang="ko-KR" altLang="en-US" sz="6600" i="1">
-                              <a:latin typeface="Cambria Math" panose="02040503050406030204" pitchFamily="18" charset="0"/>
-                            </a:rPr>
-                            <m:t>내</m:t>
-                          </m:r>
-                          <m:r>
-                            <a:rPr lang="en-US" altLang="ko-KR" sz="6600" b="0" i="1" smtClean="0">
-                              <a:latin typeface="Cambria Math" panose="02040503050406030204" pitchFamily="18" charset="0"/>
-                            </a:rPr>
-                            <m:t> </m:t>
-                          </m:r>
-                          <m:r>
-                            <a:rPr lang="ko-KR" altLang="en-US" sz="6600" i="1">
-                              <a:latin typeface="Cambria Math" panose="02040503050406030204" pitchFamily="18" charset="0"/>
-                            </a:rPr>
-                            <m:t>편</m:t>
-                          </m:r>
-                          <m:r>
-                            <a:rPr lang="ko-KR" altLang="en-US" sz="6600" i="1" smtClean="0">
-                              <a:latin typeface="Cambria Math" panose="02040503050406030204" pitchFamily="18" charset="0"/>
-                            </a:rPr>
-                            <m:t>차</m:t>
-                          </m:r>
+                          <m:sSub>
+                            <m:sSubPr>
+                              <m:ctrlPr>
+                                <a:rPr lang="en-US" altLang="ko-KR" sz="6600" i="1">
+                                  <a:latin typeface="Cambria Math" panose="02040503050406030204" pitchFamily="18" charset="0"/>
+                                </a:rPr>
+                              </m:ctrlPr>
+                            </m:sSubPr>
+                            <m:e>
+                              <m:acc>
+                                <m:accPr>
+                                  <m:chr m:val="̅"/>
+                                  <m:ctrlPr>
+                                    <a:rPr lang="en-US" altLang="ko-KR" sz="6600" i="1">
+                                      <a:latin typeface="Cambria Math" panose="02040503050406030204" pitchFamily="18" charset="0"/>
+                                    </a:rPr>
+                                  </m:ctrlPr>
+                                </m:accPr>
+                                <m:e>
+                                  <m:r>
+                                    <a:rPr lang="en-US" altLang="ko-KR" sz="6600" i="1">
+                                      <a:latin typeface="Cambria Math" panose="02040503050406030204" pitchFamily="18" charset="0"/>
+                                    </a:rPr>
+                                    <m:t>𝑋</m:t>
+                                  </m:r>
+                                </m:e>
+                              </m:acc>
+                            </m:e>
+                            <m:sub>
+                              <m:r>
+                                <a:rPr lang="en-US" altLang="ko-KR" sz="6600" b="0" i="1" smtClean="0">
+                                  <a:latin typeface="Cambria Math" panose="02040503050406030204" pitchFamily="18" charset="0"/>
+                                </a:rPr>
+                                <m:t>2</m:t>
+                              </m:r>
+                            </m:sub>
+                          </m:sSub>
+                        </m:num>
+                        <m:den>
+                          <m:sSub>
+                            <m:sSubPr>
+                              <m:ctrlPr>
+                                <a:rPr lang="en-US" altLang="ko-KR" sz="6600" b="0" i="1" smtClean="0">
+                                  <a:latin typeface="Cambria Math" panose="02040503050406030204" pitchFamily="18" charset="0"/>
+                                  <a:ea typeface="+mj-ea"/>
+                                </a:rPr>
+                              </m:ctrlPr>
+                            </m:sSubPr>
+                            <m:e>
+                              <m:r>
+                                <a:rPr lang="en-US" altLang="ko-KR" sz="6600" b="0" i="1" smtClean="0">
+                                  <a:latin typeface="Cambria Math" panose="02040503050406030204" pitchFamily="18" charset="0"/>
+                                  <a:ea typeface="+mj-ea"/>
+                                </a:rPr>
+                                <m:t>𝑠</m:t>
+                              </m:r>
+                            </m:e>
+                            <m:sub>
+                              <m:sSub>
+                                <m:sSubPr>
+                                  <m:ctrlPr>
+                                    <a:rPr lang="en-US" altLang="ko-KR" sz="6600" i="1">
+                                      <a:latin typeface="Cambria Math" panose="02040503050406030204" pitchFamily="18" charset="0"/>
+                                    </a:rPr>
+                                  </m:ctrlPr>
+                                </m:sSubPr>
+                                <m:e>
+                                  <m:acc>
+                                    <m:accPr>
+                                      <m:chr m:val="̅"/>
+                                      <m:ctrlPr>
+                                        <a:rPr lang="en-US" altLang="ko-KR" sz="6600" i="1">
+                                          <a:latin typeface="Cambria Math" panose="02040503050406030204" pitchFamily="18" charset="0"/>
+                                        </a:rPr>
+                                      </m:ctrlPr>
+                                    </m:accPr>
+                                    <m:e>
+                                      <m:r>
+                                        <a:rPr lang="en-US" altLang="ko-KR" sz="6600" i="1">
+                                          <a:latin typeface="Cambria Math" panose="02040503050406030204" pitchFamily="18" charset="0"/>
+                                        </a:rPr>
+                                        <m:t>𝑋</m:t>
+                                      </m:r>
+                                    </m:e>
+                                  </m:acc>
+                                </m:e>
+                                <m:sub>
+                                  <m:r>
+                                    <a:rPr lang="en-US" altLang="ko-KR" sz="6600" i="1">
+                                      <a:latin typeface="Cambria Math" panose="02040503050406030204" pitchFamily="18" charset="0"/>
+                                    </a:rPr>
+                                    <m:t>1</m:t>
+                                  </m:r>
+                                </m:sub>
+                              </m:sSub>
+                              <m:r>
+                                <a:rPr lang="en-US" altLang="ko-KR" sz="6600" i="1">
+                                  <a:latin typeface="Cambria Math" panose="02040503050406030204" pitchFamily="18" charset="0"/>
+                                </a:rPr>
+                                <m:t>−</m:t>
+                              </m:r>
+                              <m:sSub>
+                                <m:sSubPr>
+                                  <m:ctrlPr>
+                                    <a:rPr lang="en-US" altLang="ko-KR" sz="6600" i="1">
+                                      <a:latin typeface="Cambria Math" panose="02040503050406030204" pitchFamily="18" charset="0"/>
+                                    </a:rPr>
+                                  </m:ctrlPr>
+                                </m:sSubPr>
+                                <m:e>
+                                  <m:acc>
+                                    <m:accPr>
+                                      <m:chr m:val="̅"/>
+                                      <m:ctrlPr>
+                                        <a:rPr lang="en-US" altLang="ko-KR" sz="6600" i="1">
+                                          <a:latin typeface="Cambria Math" panose="02040503050406030204" pitchFamily="18" charset="0"/>
+                                        </a:rPr>
+                                      </m:ctrlPr>
+                                    </m:accPr>
+                                    <m:e>
+                                      <m:r>
+                                        <a:rPr lang="en-US" altLang="ko-KR" sz="6600" i="1">
+                                          <a:latin typeface="Cambria Math" panose="02040503050406030204" pitchFamily="18" charset="0"/>
+                                        </a:rPr>
+                                        <m:t>𝑋</m:t>
+                                      </m:r>
+                                    </m:e>
+                                  </m:acc>
+                                </m:e>
+                                <m:sub>
+                                  <m:r>
+                                    <a:rPr lang="en-US" altLang="ko-KR" sz="6600" i="1">
+                                      <a:latin typeface="Cambria Math" panose="02040503050406030204" pitchFamily="18" charset="0"/>
+                                    </a:rPr>
+                                    <m:t>2</m:t>
+                                  </m:r>
+                                </m:sub>
+                              </m:sSub>
+                            </m:sub>
+                          </m:sSub>
                         </m:den>
                       </m:f>
                     </m:oMath>
@@ -4041,8 +3243,8 @@
             </p:nvSpPr>
             <p:spPr>
               <a:xfrm>
-                <a:off x="652588" y="2293948"/>
-                <a:ext cx="7838826" cy="2270109"/>
+                <a:off x="2450239" y="2216811"/>
+                <a:ext cx="5184558" cy="2424382"/>
               </a:xfrm>
               <a:prstGeom prst="rect">
                 <a:avLst/>
@@ -4069,6 +3271,316 @@
           </p:sp>
         </mc:Fallback>
       </mc:AlternateContent>
+      <p:sp>
+        <p:nvSpPr>
+          <p:cNvPr id="2" name="사각형: 둥근 모서리 1">
+            <a:extLst>
+              <a:ext uri="{FF2B5EF4-FFF2-40B4-BE49-F238E27FC236}">
+                <a16:creationId xmlns:a16="http://schemas.microsoft.com/office/drawing/2014/main" id="{2A90EE11-FFDF-4793-BB72-3297684AEC64}"/>
+              </a:ext>
+            </a:extLst>
+          </p:cNvPr>
+          <p:cNvSpPr/>
+          <p:nvPr/>
+        </p:nvSpPr>
+        <p:spPr>
+          <a:xfrm>
+            <a:off x="4154751" y="2263805"/>
+            <a:ext cx="3080550" cy="1099814"/>
+          </a:xfrm>
+          <a:prstGeom prst="roundRect">
+            <a:avLst/>
+          </a:prstGeom>
+          <a:noFill/>
+          <a:ln w="38100">
+            <a:solidFill>
+              <a:schemeClr val="accent2"/>
+            </a:solidFill>
+            <a:prstDash val="dash"/>
+          </a:ln>
+        </p:spPr>
+        <p:style>
+          <a:lnRef idx="2">
+            <a:schemeClr val="accent1">
+              <a:shade val="50000"/>
+            </a:schemeClr>
+          </a:lnRef>
+          <a:fillRef idx="1">
+            <a:schemeClr val="accent1"/>
+          </a:fillRef>
+          <a:effectRef idx="0">
+            <a:schemeClr val="accent1"/>
+          </a:effectRef>
+          <a:fontRef idx="minor">
+            <a:schemeClr val="lt1"/>
+          </a:fontRef>
+        </p:style>
+        <p:txBody>
+          <a:bodyPr rtlCol="0" anchor="ctr"/>
+          <a:lstStyle/>
+          <a:p>
+            <a:pPr algn="ctr"/>
+            <a:endParaRPr lang="ko-KR" altLang="en-US"/>
+          </a:p>
+        </p:txBody>
+      </p:sp>
+      <p:sp>
+        <p:nvSpPr>
+          <p:cNvPr id="3" name="TextBox 2">
+            <a:extLst>
+              <a:ext uri="{FF2B5EF4-FFF2-40B4-BE49-F238E27FC236}">
+                <a16:creationId xmlns:a16="http://schemas.microsoft.com/office/drawing/2014/main" id="{64784F93-4521-42EA-8614-1F6026DF9643}"/>
+              </a:ext>
+            </a:extLst>
+          </p:cNvPr>
+          <p:cNvSpPr txBox="1"/>
+          <p:nvPr/>
+        </p:nvSpPr>
+        <p:spPr>
+          <a:xfrm>
+            <a:off x="3643823" y="1701676"/>
+            <a:ext cx="4102405" cy="523220"/>
+          </a:xfrm>
+          <a:prstGeom prst="rect">
+            <a:avLst/>
+          </a:prstGeom>
+          <a:noFill/>
+        </p:spPr>
+        <p:txBody>
+          <a:bodyPr wrap="none" rtlCol="0">
+            <a:spAutoFit/>
+          </a:bodyPr>
+          <a:lstStyle/>
+          <a:p>
+            <a:r>
+              <a:rPr lang="ko-KR" altLang="en-US" sz="2800" dirty="0">
+                <a:solidFill>
+                  <a:schemeClr val="accent2"/>
+                </a:solidFill>
+              </a:rPr>
+              <a:t>두 표본 그룹 평균의 차이</a:t>
+            </a:r>
+          </a:p>
+        </p:txBody>
+      </p:sp>
+      <p:sp>
+        <p:nvSpPr>
+          <p:cNvPr id="8" name="사각형: 둥근 모서리 7">
+            <a:extLst>
+              <a:ext uri="{FF2B5EF4-FFF2-40B4-BE49-F238E27FC236}">
+                <a16:creationId xmlns:a16="http://schemas.microsoft.com/office/drawing/2014/main" id="{C9189074-32B1-4A02-B1FB-D9144D6A1906}"/>
+              </a:ext>
+            </a:extLst>
+          </p:cNvPr>
+          <p:cNvSpPr/>
+          <p:nvPr/>
+        </p:nvSpPr>
+        <p:spPr>
+          <a:xfrm>
+            <a:off x="4438835" y="3634366"/>
+            <a:ext cx="2672179" cy="1194929"/>
+          </a:xfrm>
+          <a:prstGeom prst="roundRect">
+            <a:avLst/>
+          </a:prstGeom>
+          <a:noFill/>
+          <a:ln w="38100">
+            <a:solidFill>
+              <a:schemeClr val="accent6"/>
+            </a:solidFill>
+            <a:prstDash val="dash"/>
+          </a:ln>
+        </p:spPr>
+        <p:style>
+          <a:lnRef idx="2">
+            <a:schemeClr val="accent1">
+              <a:shade val="50000"/>
+            </a:schemeClr>
+          </a:lnRef>
+          <a:fillRef idx="1">
+            <a:schemeClr val="accent1"/>
+          </a:fillRef>
+          <a:effectRef idx="0">
+            <a:schemeClr val="accent1"/>
+          </a:effectRef>
+          <a:fontRef idx="minor">
+            <a:schemeClr val="lt1"/>
+          </a:fontRef>
+        </p:style>
+        <p:txBody>
+          <a:bodyPr rtlCol="0" anchor="ctr"/>
+          <a:lstStyle/>
+          <a:p>
+            <a:pPr algn="ctr"/>
+            <a:endParaRPr lang="ko-KR" altLang="en-US"/>
+          </a:p>
+        </p:txBody>
+      </p:sp>
+      <p:sp>
+        <p:nvSpPr>
+          <p:cNvPr id="9" name="TextBox 8">
+            <a:extLst>
+              <a:ext uri="{FF2B5EF4-FFF2-40B4-BE49-F238E27FC236}">
+                <a16:creationId xmlns:a16="http://schemas.microsoft.com/office/drawing/2014/main" id="{1F86B288-1C9F-4E2C-B891-CD0BAE381D16}"/>
+              </a:ext>
+            </a:extLst>
+          </p:cNvPr>
+          <p:cNvSpPr txBox="1"/>
+          <p:nvPr/>
+        </p:nvSpPr>
+        <p:spPr>
+          <a:xfrm>
+            <a:off x="3503308" y="4911940"/>
+            <a:ext cx="4543231" cy="954107"/>
+          </a:xfrm>
+          <a:prstGeom prst="rect">
+            <a:avLst/>
+          </a:prstGeom>
+          <a:noFill/>
+        </p:spPr>
+        <p:txBody>
+          <a:bodyPr wrap="none" rtlCol="0">
+            <a:spAutoFit/>
+          </a:bodyPr>
+          <a:lstStyle/>
+          <a:p>
+            <a:pPr algn="ctr"/>
+            <a:r>
+              <a:rPr lang="ko-KR" altLang="en-US" sz="2800" dirty="0">
+                <a:solidFill>
+                  <a:schemeClr val="accent6"/>
+                </a:solidFill>
+              </a:rPr>
+              <a:t>두 그룹 간 평균 차이에 대한</a:t>
+            </a:r>
+            <a:endParaRPr lang="en-US" altLang="ko-KR" sz="2800" dirty="0">
+              <a:solidFill>
+                <a:schemeClr val="accent6"/>
+              </a:solidFill>
+            </a:endParaRPr>
+          </a:p>
+          <a:p>
+            <a:pPr algn="ctr"/>
+            <a:r>
+              <a:rPr lang="ko-KR" altLang="en-US" sz="2800" dirty="0">
+                <a:solidFill>
+                  <a:schemeClr val="accent6"/>
+                </a:solidFill>
+              </a:rPr>
+              <a:t>불확실도</a:t>
+            </a:r>
+          </a:p>
+        </p:txBody>
+      </p:sp>
+      <p:sp>
+        <p:nvSpPr>
+          <p:cNvPr id="10" name="TextBox 9">
+            <a:extLst>
+              <a:ext uri="{FF2B5EF4-FFF2-40B4-BE49-F238E27FC236}">
+                <a16:creationId xmlns:a16="http://schemas.microsoft.com/office/drawing/2014/main" id="{EB52B2B1-E82B-41DB-8FAA-67F462520356}"/>
+              </a:ext>
+            </a:extLst>
+          </p:cNvPr>
+          <p:cNvSpPr txBox="1"/>
+          <p:nvPr/>
+        </p:nvSpPr>
+        <p:spPr>
+          <a:xfrm>
+            <a:off x="242142" y="2274907"/>
+            <a:ext cx="2861681" cy="954107"/>
+          </a:xfrm>
+          <a:prstGeom prst="rect">
+            <a:avLst/>
+          </a:prstGeom>
+          <a:noFill/>
+        </p:spPr>
+        <p:txBody>
+          <a:bodyPr wrap="none" rtlCol="0">
+            <a:spAutoFit/>
+          </a:bodyPr>
+          <a:lstStyle/>
+          <a:p>
+            <a:pPr algn="ctr"/>
+            <a:r>
+              <a:rPr lang="ko-KR" altLang="en-US" sz="2800" dirty="0">
+                <a:solidFill>
+                  <a:schemeClr val="accent1"/>
+                </a:solidFill>
+              </a:rPr>
+              <a:t>표본 평균 차이의</a:t>
+            </a:r>
+            <a:endParaRPr lang="en-US" altLang="ko-KR" sz="2800" dirty="0">
+              <a:solidFill>
+                <a:schemeClr val="accent1"/>
+              </a:solidFill>
+            </a:endParaRPr>
+          </a:p>
+          <a:p>
+            <a:pPr algn="ctr"/>
+            <a:r>
+              <a:rPr lang="ko-KR" altLang="en-US" sz="2800" dirty="0">
+                <a:solidFill>
+                  <a:schemeClr val="accent1"/>
+                </a:solidFill>
+              </a:rPr>
+              <a:t>통계적인 지표</a:t>
+            </a:r>
+          </a:p>
+        </p:txBody>
+      </p:sp>
+      <p:sp>
+        <p:nvSpPr>
+          <p:cNvPr id="11" name="타원 10">
+            <a:extLst>
+              <a:ext uri="{FF2B5EF4-FFF2-40B4-BE49-F238E27FC236}">
+                <a16:creationId xmlns:a16="http://schemas.microsoft.com/office/drawing/2014/main" id="{BD4EB803-9313-4680-82FD-41274E7585FC}"/>
+              </a:ext>
+            </a:extLst>
+          </p:cNvPr>
+          <p:cNvSpPr/>
+          <p:nvPr/>
+        </p:nvSpPr>
+        <p:spPr>
+          <a:xfrm>
+            <a:off x="2701976" y="3009528"/>
+            <a:ext cx="801332" cy="948893"/>
+          </a:xfrm>
+          <a:prstGeom prst="ellipse">
+            <a:avLst/>
+          </a:prstGeom>
+          <a:noFill/>
+          <a:ln w="28575">
+            <a:solidFill>
+              <a:schemeClr val="accent1"/>
+            </a:solidFill>
+            <a:prstDash val="dash"/>
+          </a:ln>
+        </p:spPr>
+        <p:style>
+          <a:lnRef idx="2">
+            <a:schemeClr val="accent1">
+              <a:shade val="50000"/>
+            </a:schemeClr>
+          </a:lnRef>
+          <a:fillRef idx="1">
+            <a:schemeClr val="accent1"/>
+          </a:fillRef>
+          <a:effectRef idx="0">
+            <a:schemeClr val="accent1"/>
+          </a:effectRef>
+          <a:fontRef idx="minor">
+            <a:schemeClr val="lt1"/>
+          </a:fontRef>
+        </p:style>
+        <p:txBody>
+          <a:bodyPr rtlCol="0" anchor="ctr"/>
+          <a:lstStyle/>
+          <a:p>
+            <a:pPr algn="ctr"/>
+            <a:endParaRPr lang="ko-KR" altLang="en-US"/>
+          </a:p>
+        </p:txBody>
+      </p:sp>
     </p:spTree>
     <p:extLst>
       <p:ext uri="{BB962C8B-B14F-4D97-AF65-F5344CB8AC3E}">
@@ -4082,7 +3594,7 @@
 </p:sld>
 </file>
 
-<file path=ppt/slides/slide5.xml><?xml version="1.0" encoding="utf-8"?>
+<file path=ppt/slides/slide2.xml><?xml version="1.0" encoding="utf-8"?>
 <p:sld xmlns:a="http://schemas.openxmlformats.org/drawingml/2006/main" xmlns:r="http://schemas.openxmlformats.org/officeDocument/2006/relationships" xmlns:p="http://schemas.openxmlformats.org/presentationml/2006/main">
   <p:cSld>
     <p:spTree>
@@ -4619,8 +4131,8 @@
           </p:txBody>
         </p:sp>
       </p:grpSp>
-      <mc:AlternateContent xmlns:mc="http://schemas.openxmlformats.org/markup-compatibility/2006">
-        <mc:Choice xmlns:a14="http://schemas.microsoft.com/office/drawing/2010/main" Requires="a14">
+      <mc:AlternateContent xmlns:mc="http://schemas.openxmlformats.org/markup-compatibility/2006" xmlns:a14="http://schemas.microsoft.com/office/drawing/2010/main">
+        <mc:Choice Requires="a14">
           <p:sp>
             <p:nvSpPr>
               <p:cNvPr id="25" name="TextBox 24">
@@ -4649,6 +4161,7 @@
               </a:bodyPr>
               <a:lstStyle/>
               <a:p>
+                <a:pPr/>
                 <a14:m>
                   <m:oMathPara xmlns:m="http://schemas.openxmlformats.org/officeDocument/2006/math">
                     <m:oMathParaPr>
@@ -4675,7 +4188,7 @@
             </p:txBody>
           </p:sp>
         </mc:Choice>
-        <mc:Fallback>
+        <mc:Fallback xmlns="">
           <p:sp>
             <p:nvSpPr>
               <p:cNvPr id="25" name="TextBox 24">
@@ -4720,8 +4233,8 @@
           </p:sp>
         </mc:Fallback>
       </mc:AlternateContent>
-      <mc:AlternateContent xmlns:mc="http://schemas.openxmlformats.org/markup-compatibility/2006">
-        <mc:Choice xmlns:a14="http://schemas.microsoft.com/office/drawing/2010/main" Requires="a14">
+      <mc:AlternateContent xmlns:mc="http://schemas.openxmlformats.org/markup-compatibility/2006" xmlns:a14="http://schemas.microsoft.com/office/drawing/2010/main">
+        <mc:Choice Requires="a14">
           <p:sp>
             <p:nvSpPr>
               <p:cNvPr id="26" name="TextBox 25">
@@ -4750,6 +4263,7 @@
               </a:bodyPr>
               <a:lstStyle/>
               <a:p>
+                <a:pPr/>
                 <a14:m>
                   <m:oMathPara xmlns:m="http://schemas.openxmlformats.org/officeDocument/2006/math">
                     <m:oMathParaPr>
@@ -4776,7 +4290,7 @@
             </p:txBody>
           </p:sp>
         </mc:Choice>
-        <mc:Fallback>
+        <mc:Fallback xmlns="">
           <p:sp>
             <p:nvSpPr>
               <p:cNvPr id="26" name="TextBox 25">

--- a/pics/2020-02-13-Students_t_test/pics.pptx
+++ b/pics/2020-02-13-Students_t_test/pics.pptx
@@ -6,7 +6,8 @@
   </p:sldMasterIdLst>
   <p:sldIdLst>
     <p:sldId id="259" r:id="rId2"/>
-    <p:sldId id="260" r:id="rId3"/>
+    <p:sldId id="261" r:id="rId3"/>
+    <p:sldId id="260" r:id="rId4"/>
   </p:sldIdLst>
   <p:sldSz cx="9144000" cy="6858000" type="screen4x3"/>
   <p:notesSz cx="6858000" cy="9144000"/>
@@ -244,7 +245,7 @@
           <a:p>
             <a:fld id="{63BD1D83-48CC-42D0-AB36-0F80C9FDD5DB}" type="datetimeFigureOut">
               <a:rPr lang="ko-KR" altLang="en-US" smtClean="0"/>
-              <a:t>2020-02-22</a:t>
+              <a:t>2023-04-24</a:t>
             </a:fld>
             <a:endParaRPr lang="ko-KR" altLang="en-US"/>
           </a:p>
@@ -414,7 +415,7 @@
           <a:p>
             <a:fld id="{63BD1D83-48CC-42D0-AB36-0F80C9FDD5DB}" type="datetimeFigureOut">
               <a:rPr lang="ko-KR" altLang="en-US" smtClean="0"/>
-              <a:t>2020-02-22</a:t>
+              <a:t>2023-04-24</a:t>
             </a:fld>
             <a:endParaRPr lang="ko-KR" altLang="en-US"/>
           </a:p>
@@ -594,7 +595,7 @@
           <a:p>
             <a:fld id="{63BD1D83-48CC-42D0-AB36-0F80C9FDD5DB}" type="datetimeFigureOut">
               <a:rPr lang="ko-KR" altLang="en-US" smtClean="0"/>
-              <a:t>2020-02-22</a:t>
+              <a:t>2023-04-24</a:t>
             </a:fld>
             <a:endParaRPr lang="ko-KR" altLang="en-US"/>
           </a:p>
@@ -764,7 +765,7 @@
           <a:p>
             <a:fld id="{63BD1D83-48CC-42D0-AB36-0F80C9FDD5DB}" type="datetimeFigureOut">
               <a:rPr lang="ko-KR" altLang="en-US" smtClean="0"/>
-              <a:t>2020-02-22</a:t>
+              <a:t>2023-04-24</a:t>
             </a:fld>
             <a:endParaRPr lang="ko-KR" altLang="en-US"/>
           </a:p>
@@ -1008,7 +1009,7 @@
           <a:p>
             <a:fld id="{63BD1D83-48CC-42D0-AB36-0F80C9FDD5DB}" type="datetimeFigureOut">
               <a:rPr lang="ko-KR" altLang="en-US" smtClean="0"/>
-              <a:t>2020-02-22</a:t>
+              <a:t>2023-04-24</a:t>
             </a:fld>
             <a:endParaRPr lang="ko-KR" altLang="en-US"/>
           </a:p>
@@ -1240,7 +1241,7 @@
           <a:p>
             <a:fld id="{63BD1D83-48CC-42D0-AB36-0F80C9FDD5DB}" type="datetimeFigureOut">
               <a:rPr lang="ko-KR" altLang="en-US" smtClean="0"/>
-              <a:t>2020-02-22</a:t>
+              <a:t>2023-04-24</a:t>
             </a:fld>
             <a:endParaRPr lang="ko-KR" altLang="en-US"/>
           </a:p>
@@ -1607,7 +1608,7 @@
           <a:p>
             <a:fld id="{63BD1D83-48CC-42D0-AB36-0F80C9FDD5DB}" type="datetimeFigureOut">
               <a:rPr lang="ko-KR" altLang="en-US" smtClean="0"/>
-              <a:t>2020-02-22</a:t>
+              <a:t>2023-04-24</a:t>
             </a:fld>
             <a:endParaRPr lang="ko-KR" altLang="en-US"/>
           </a:p>
@@ -1725,7 +1726,7 @@
           <a:p>
             <a:fld id="{63BD1D83-48CC-42D0-AB36-0F80C9FDD5DB}" type="datetimeFigureOut">
               <a:rPr lang="ko-KR" altLang="en-US" smtClean="0"/>
-              <a:t>2020-02-22</a:t>
+              <a:t>2023-04-24</a:t>
             </a:fld>
             <a:endParaRPr lang="ko-KR" altLang="en-US"/>
           </a:p>
@@ -1820,7 +1821,7 @@
           <a:p>
             <a:fld id="{63BD1D83-48CC-42D0-AB36-0F80C9FDD5DB}" type="datetimeFigureOut">
               <a:rPr lang="ko-KR" altLang="en-US" smtClean="0"/>
-              <a:t>2020-02-22</a:t>
+              <a:t>2023-04-24</a:t>
             </a:fld>
             <a:endParaRPr lang="ko-KR" altLang="en-US"/>
           </a:p>
@@ -2097,7 +2098,7 @@
           <a:p>
             <a:fld id="{63BD1D83-48CC-42D0-AB36-0F80C9FDD5DB}" type="datetimeFigureOut">
               <a:rPr lang="ko-KR" altLang="en-US" smtClean="0"/>
-              <a:t>2020-02-22</a:t>
+              <a:t>2023-04-24</a:t>
             </a:fld>
             <a:endParaRPr lang="ko-KR" altLang="en-US"/>
           </a:p>
@@ -2354,7 +2355,7 @@
           <a:p>
             <a:fld id="{63BD1D83-48CC-42D0-AB36-0F80C9FDD5DB}" type="datetimeFigureOut">
               <a:rPr lang="ko-KR" altLang="en-US" smtClean="0"/>
-              <a:t>2020-02-22</a:t>
+              <a:t>2023-04-24</a:t>
             </a:fld>
             <a:endParaRPr lang="ko-KR" altLang="en-US"/>
           </a:p>
@@ -2567,7 +2568,7 @@
           <a:p>
             <a:fld id="{63BD1D83-48CC-42D0-AB36-0F80C9FDD5DB}" type="datetimeFigureOut">
               <a:rPr lang="ko-KR" altLang="en-US" smtClean="0"/>
-              <a:t>2020-02-22</a:t>
+              <a:t>2023-04-24</a:t>
             </a:fld>
             <a:endParaRPr lang="ko-KR" altLang="en-US"/>
           </a:p>
@@ -2972,8 +2973,8 @@
           <a:chExt cx="0" cy="0"/>
         </a:xfrm>
       </p:grpSpPr>
-      <mc:AlternateContent xmlns:mc="http://schemas.openxmlformats.org/markup-compatibility/2006">
-        <mc:Choice xmlns:a14="http://schemas.microsoft.com/office/drawing/2010/main" Requires="a14">
+      <mc:AlternateContent xmlns:mc="http://schemas.openxmlformats.org/markup-compatibility/2006" xmlns:a14="http://schemas.microsoft.com/office/drawing/2010/main">
+        <mc:Choice Requires="a14">
           <p:sp>
             <p:nvSpPr>
               <p:cNvPr id="4" name="TextBox 3">
@@ -3226,7 +3227,7 @@
             </p:txBody>
           </p:sp>
         </mc:Choice>
-        <mc:Fallback>
+        <mc:Fallback xmlns="">
           <p:sp>
             <p:nvSpPr>
               <p:cNvPr id="4" name="TextBox 3">
@@ -3595,6 +3596,650 @@
 </file>
 
 <file path=ppt/slides/slide2.xml><?xml version="1.0" encoding="utf-8"?>
+<p:sld xmlns:a="http://schemas.openxmlformats.org/drawingml/2006/main" xmlns:r="http://schemas.openxmlformats.org/officeDocument/2006/relationships" xmlns:p="http://schemas.openxmlformats.org/presentationml/2006/main">
+  <p:cSld>
+    <p:spTree>
+      <p:nvGrpSpPr>
+        <p:cNvPr id="1" name=""/>
+        <p:cNvGrpSpPr/>
+        <p:nvPr/>
+      </p:nvGrpSpPr>
+      <p:grpSpPr>
+        <a:xfrm>
+          <a:off x="0" y="0"/>
+          <a:ext cx="0" cy="0"/>
+          <a:chOff x="0" y="0"/>
+          <a:chExt cx="0" cy="0"/>
+        </a:xfrm>
+      </p:grpSpPr>
+      <mc:AlternateContent xmlns:mc="http://schemas.openxmlformats.org/markup-compatibility/2006" xmlns:a14="http://schemas.microsoft.com/office/drawing/2010/main">
+        <mc:Choice Requires="a14">
+          <p:sp>
+            <p:nvSpPr>
+              <p:cNvPr id="4" name="TextBox 3">
+                <a:extLst>
+                  <a:ext uri="{FF2B5EF4-FFF2-40B4-BE49-F238E27FC236}">
+                    <a16:creationId xmlns:a16="http://schemas.microsoft.com/office/drawing/2014/main" id="{1F03C674-C6CF-4F36-B663-F067B8C6A3F1}"/>
+                  </a:ext>
+                </a:extLst>
+              </p:cNvPr>
+              <p:cNvSpPr txBox="1"/>
+              <p:nvPr/>
+            </p:nvSpPr>
+            <p:spPr>
+              <a:xfrm>
+                <a:off x="2450239" y="2216811"/>
+                <a:ext cx="5184558" cy="2424382"/>
+              </a:xfrm>
+              <a:prstGeom prst="rect">
+                <a:avLst/>
+              </a:prstGeom>
+              <a:noFill/>
+            </p:spPr>
+            <p:txBody>
+              <a:bodyPr wrap="square" rtlCol="0" anchor="ctr">
+                <a:spAutoFit/>
+              </a:bodyPr>
+              <a:lstStyle/>
+              <a:p>
+                <a:pPr/>
+                <a14:m>
+                  <m:oMathPara xmlns:m="http://schemas.openxmlformats.org/officeDocument/2006/math">
+                    <m:oMathParaPr>
+                      <m:jc m:val="center"/>
+                    </m:oMathParaPr>
+                    <m:oMath xmlns:m="http://schemas.openxmlformats.org/officeDocument/2006/math">
+                      <m:r>
+                        <a:rPr lang="en-US" altLang="ko-KR" sz="6600" b="0" i="1" smtClean="0">
+                          <a:latin typeface="Cambria Math" panose="02040503050406030204" pitchFamily="18" charset="0"/>
+                        </a:rPr>
+                        <m:t>𝑡</m:t>
+                      </m:r>
+                      <m:r>
+                        <a:rPr lang="en-US" altLang="ko-KR" sz="6600" b="0" i="1" smtClean="0">
+                          <a:latin typeface="Cambria Math" panose="02040503050406030204" pitchFamily="18" charset="0"/>
+                        </a:rPr>
+                        <m:t>=</m:t>
+                      </m:r>
+                      <m:f>
+                        <m:fPr>
+                          <m:ctrlPr>
+                            <a:rPr lang="en-US" altLang="ko-KR" sz="6600" b="0" i="1" smtClean="0">
+                              <a:latin typeface="Cambria Math" panose="02040503050406030204" pitchFamily="18" charset="0"/>
+                            </a:rPr>
+                          </m:ctrlPr>
+                        </m:fPr>
+                        <m:num>
+                          <m:sSub>
+                            <m:sSubPr>
+                              <m:ctrlPr>
+                                <a:rPr lang="en-US" altLang="ko-KR" sz="6600" b="0" i="1" smtClean="0">
+                                  <a:latin typeface="Cambria Math" panose="02040503050406030204" pitchFamily="18" charset="0"/>
+                                  <a:ea typeface="+mj-ea"/>
+                                </a:rPr>
+                              </m:ctrlPr>
+                            </m:sSubPr>
+                            <m:e>
+                              <m:acc>
+                                <m:accPr>
+                                  <m:chr m:val="̅"/>
+                                  <m:ctrlPr>
+                                    <a:rPr lang="en-US" altLang="ko-KR" sz="6600" b="0" i="1" smtClean="0">
+                                      <a:latin typeface="Cambria Math" panose="02040503050406030204" pitchFamily="18" charset="0"/>
+                                      <a:ea typeface="+mj-ea"/>
+                                    </a:rPr>
+                                  </m:ctrlPr>
+                                </m:accPr>
+                                <m:e>
+                                  <m:r>
+                                    <a:rPr lang="en-US" altLang="ko-KR" sz="6600" b="0" i="1" smtClean="0">
+                                      <a:latin typeface="Cambria Math" panose="02040503050406030204" pitchFamily="18" charset="0"/>
+                                      <a:ea typeface="+mj-ea"/>
+                                    </a:rPr>
+                                    <m:t>𝑋</m:t>
+                                  </m:r>
+                                </m:e>
+                              </m:acc>
+                            </m:e>
+                            <m:sub>
+                              <m:r>
+                                <a:rPr lang="en-US" altLang="ko-KR" sz="6600" b="0" i="1" smtClean="0">
+                                  <a:latin typeface="Cambria Math" panose="02040503050406030204" pitchFamily="18" charset="0"/>
+                                </a:rPr>
+                                <m:t>1</m:t>
+                              </m:r>
+                            </m:sub>
+                          </m:sSub>
+                          <m:r>
+                            <a:rPr lang="en-US" altLang="ko-KR" sz="6600" b="0" i="1" smtClean="0">
+                              <a:latin typeface="Cambria Math" panose="02040503050406030204" pitchFamily="18" charset="0"/>
+                            </a:rPr>
+                            <m:t>−</m:t>
+                          </m:r>
+                          <m:sSub>
+                            <m:sSubPr>
+                              <m:ctrlPr>
+                                <a:rPr lang="en-US" altLang="ko-KR" sz="6600" i="1">
+                                  <a:latin typeface="Cambria Math" panose="02040503050406030204" pitchFamily="18" charset="0"/>
+                                </a:rPr>
+                              </m:ctrlPr>
+                            </m:sSubPr>
+                            <m:e>
+                              <m:acc>
+                                <m:accPr>
+                                  <m:chr m:val="̅"/>
+                                  <m:ctrlPr>
+                                    <a:rPr lang="en-US" altLang="ko-KR" sz="6600" i="1">
+                                      <a:latin typeface="Cambria Math" panose="02040503050406030204" pitchFamily="18" charset="0"/>
+                                    </a:rPr>
+                                  </m:ctrlPr>
+                                </m:accPr>
+                                <m:e>
+                                  <m:r>
+                                    <a:rPr lang="en-US" altLang="ko-KR" sz="6600" i="1">
+                                      <a:latin typeface="Cambria Math" panose="02040503050406030204" pitchFamily="18" charset="0"/>
+                                    </a:rPr>
+                                    <m:t>𝑋</m:t>
+                                  </m:r>
+                                </m:e>
+                              </m:acc>
+                            </m:e>
+                            <m:sub>
+                              <m:r>
+                                <a:rPr lang="en-US" altLang="ko-KR" sz="6600" b="0" i="1" smtClean="0">
+                                  <a:latin typeface="Cambria Math" panose="02040503050406030204" pitchFamily="18" charset="0"/>
+                                </a:rPr>
+                                <m:t>2</m:t>
+                              </m:r>
+                            </m:sub>
+                          </m:sSub>
+                        </m:num>
+                        <m:den>
+                          <m:sSub>
+                            <m:sSubPr>
+                              <m:ctrlPr>
+                                <a:rPr lang="en-US" altLang="ko-KR" sz="6600" b="0" i="1" smtClean="0">
+                                  <a:latin typeface="Cambria Math" panose="02040503050406030204" pitchFamily="18" charset="0"/>
+                                  <a:ea typeface="+mj-ea"/>
+                                </a:rPr>
+                              </m:ctrlPr>
+                            </m:sSubPr>
+                            <m:e>
+                              <m:r>
+                                <a:rPr lang="en-US" altLang="ko-KR" sz="6600" b="0" i="1" smtClean="0">
+                                  <a:latin typeface="Cambria Math" panose="02040503050406030204" pitchFamily="18" charset="0"/>
+                                  <a:ea typeface="+mj-ea"/>
+                                </a:rPr>
+                                <m:t>𝑠</m:t>
+                              </m:r>
+                            </m:e>
+                            <m:sub>
+                              <m:sSub>
+                                <m:sSubPr>
+                                  <m:ctrlPr>
+                                    <a:rPr lang="en-US" altLang="ko-KR" sz="6600" i="1">
+                                      <a:latin typeface="Cambria Math" panose="02040503050406030204" pitchFamily="18" charset="0"/>
+                                    </a:rPr>
+                                  </m:ctrlPr>
+                                </m:sSubPr>
+                                <m:e>
+                                  <m:acc>
+                                    <m:accPr>
+                                      <m:chr m:val="̅"/>
+                                      <m:ctrlPr>
+                                        <a:rPr lang="en-US" altLang="ko-KR" sz="6600" i="1">
+                                          <a:latin typeface="Cambria Math" panose="02040503050406030204" pitchFamily="18" charset="0"/>
+                                        </a:rPr>
+                                      </m:ctrlPr>
+                                    </m:accPr>
+                                    <m:e>
+                                      <m:r>
+                                        <a:rPr lang="en-US" altLang="ko-KR" sz="6600" i="1">
+                                          <a:latin typeface="Cambria Math" panose="02040503050406030204" pitchFamily="18" charset="0"/>
+                                        </a:rPr>
+                                        <m:t>𝑋</m:t>
+                                      </m:r>
+                                    </m:e>
+                                  </m:acc>
+                                </m:e>
+                                <m:sub>
+                                  <m:r>
+                                    <a:rPr lang="en-US" altLang="ko-KR" sz="6600" i="1">
+                                      <a:latin typeface="Cambria Math" panose="02040503050406030204" pitchFamily="18" charset="0"/>
+                                    </a:rPr>
+                                    <m:t>1</m:t>
+                                  </m:r>
+                                </m:sub>
+                              </m:sSub>
+                              <m:r>
+                                <a:rPr lang="en-US" altLang="ko-KR" sz="6600" i="1">
+                                  <a:latin typeface="Cambria Math" panose="02040503050406030204" pitchFamily="18" charset="0"/>
+                                </a:rPr>
+                                <m:t>−</m:t>
+                              </m:r>
+                              <m:sSub>
+                                <m:sSubPr>
+                                  <m:ctrlPr>
+                                    <a:rPr lang="en-US" altLang="ko-KR" sz="6600" i="1">
+                                      <a:latin typeface="Cambria Math" panose="02040503050406030204" pitchFamily="18" charset="0"/>
+                                    </a:rPr>
+                                  </m:ctrlPr>
+                                </m:sSubPr>
+                                <m:e>
+                                  <m:acc>
+                                    <m:accPr>
+                                      <m:chr m:val="̅"/>
+                                      <m:ctrlPr>
+                                        <a:rPr lang="en-US" altLang="ko-KR" sz="6600" i="1">
+                                          <a:latin typeface="Cambria Math" panose="02040503050406030204" pitchFamily="18" charset="0"/>
+                                        </a:rPr>
+                                      </m:ctrlPr>
+                                    </m:accPr>
+                                    <m:e>
+                                      <m:r>
+                                        <a:rPr lang="en-US" altLang="ko-KR" sz="6600" i="1">
+                                          <a:latin typeface="Cambria Math" panose="02040503050406030204" pitchFamily="18" charset="0"/>
+                                        </a:rPr>
+                                        <m:t>𝑋</m:t>
+                                      </m:r>
+                                    </m:e>
+                                  </m:acc>
+                                </m:e>
+                                <m:sub>
+                                  <m:r>
+                                    <a:rPr lang="en-US" altLang="ko-KR" sz="6600" i="1">
+                                      <a:latin typeface="Cambria Math" panose="02040503050406030204" pitchFamily="18" charset="0"/>
+                                    </a:rPr>
+                                    <m:t>2</m:t>
+                                  </m:r>
+                                </m:sub>
+                              </m:sSub>
+                            </m:sub>
+                          </m:sSub>
+                        </m:den>
+                      </m:f>
+                    </m:oMath>
+                  </m:oMathPara>
+                </a14:m>
+                <a:endParaRPr lang="ko-KR" altLang="en-US" sz="6600" dirty="0"/>
+              </a:p>
+            </p:txBody>
+          </p:sp>
+        </mc:Choice>
+        <mc:Fallback xmlns="">
+          <p:sp>
+            <p:nvSpPr>
+              <p:cNvPr id="4" name="TextBox 3">
+                <a:extLst>
+                  <a:ext uri="{FF2B5EF4-FFF2-40B4-BE49-F238E27FC236}">
+                    <a16:creationId xmlns:a16="http://schemas.microsoft.com/office/drawing/2014/main" id="{1F03C674-C6CF-4F36-B663-F067B8C6A3F1}"/>
+                  </a:ext>
+                </a:extLst>
+              </p:cNvPr>
+              <p:cNvSpPr txBox="1">
+                <a:spLocks noRot="1" noChangeAspect="1" noMove="1" noResize="1" noEditPoints="1" noAdjustHandles="1" noChangeArrowheads="1" noChangeShapeType="1" noTextEdit="1"/>
+              </p:cNvSpPr>
+              <p:nvPr/>
+            </p:nvSpPr>
+            <p:spPr>
+              <a:xfrm>
+                <a:off x="2450239" y="2216811"/>
+                <a:ext cx="5184558" cy="2424382"/>
+              </a:xfrm>
+              <a:prstGeom prst="rect">
+                <a:avLst/>
+              </a:prstGeom>
+              <a:blipFill>
+                <a:blip r:embed="rId2"/>
+                <a:stretch>
+                  <a:fillRect/>
+                </a:stretch>
+              </a:blipFill>
+            </p:spPr>
+            <p:txBody>
+              <a:bodyPr/>
+              <a:lstStyle/>
+              <a:p>
+                <a:r>
+                  <a:rPr lang="ko-KR" altLang="en-US">
+                    <a:noFill/>
+                  </a:rPr>
+                  <a:t> </a:t>
+                </a:r>
+              </a:p>
+            </p:txBody>
+          </p:sp>
+        </mc:Fallback>
+      </mc:AlternateContent>
+      <p:sp>
+        <p:nvSpPr>
+          <p:cNvPr id="2" name="사각형: 둥근 모서리 1">
+            <a:extLst>
+              <a:ext uri="{FF2B5EF4-FFF2-40B4-BE49-F238E27FC236}">
+                <a16:creationId xmlns:a16="http://schemas.microsoft.com/office/drawing/2014/main" id="{2A90EE11-FFDF-4793-BB72-3297684AEC64}"/>
+              </a:ext>
+            </a:extLst>
+          </p:cNvPr>
+          <p:cNvSpPr/>
+          <p:nvPr/>
+        </p:nvSpPr>
+        <p:spPr>
+          <a:xfrm>
+            <a:off x="4154751" y="2263805"/>
+            <a:ext cx="3080550" cy="1099814"/>
+          </a:xfrm>
+          <a:prstGeom prst="roundRect">
+            <a:avLst/>
+          </a:prstGeom>
+          <a:noFill/>
+          <a:ln w="38100">
+            <a:solidFill>
+              <a:schemeClr val="accent2"/>
+            </a:solidFill>
+            <a:prstDash val="dash"/>
+          </a:ln>
+        </p:spPr>
+        <p:style>
+          <a:lnRef idx="2">
+            <a:schemeClr val="accent1">
+              <a:shade val="50000"/>
+            </a:schemeClr>
+          </a:lnRef>
+          <a:fillRef idx="1">
+            <a:schemeClr val="accent1"/>
+          </a:fillRef>
+          <a:effectRef idx="0">
+            <a:schemeClr val="accent1"/>
+          </a:effectRef>
+          <a:fontRef idx="minor">
+            <a:schemeClr val="lt1"/>
+          </a:fontRef>
+        </p:style>
+        <p:txBody>
+          <a:bodyPr rtlCol="0" anchor="ctr"/>
+          <a:lstStyle/>
+          <a:p>
+            <a:pPr algn="ctr"/>
+            <a:endParaRPr lang="ko-KR" altLang="en-US"/>
+          </a:p>
+        </p:txBody>
+      </p:sp>
+      <p:sp>
+        <p:nvSpPr>
+          <p:cNvPr id="3" name="TextBox 2">
+            <a:extLst>
+              <a:ext uri="{FF2B5EF4-FFF2-40B4-BE49-F238E27FC236}">
+                <a16:creationId xmlns:a16="http://schemas.microsoft.com/office/drawing/2014/main" id="{64784F93-4521-42EA-8614-1F6026DF9643}"/>
+              </a:ext>
+            </a:extLst>
+          </p:cNvPr>
+          <p:cNvSpPr txBox="1"/>
+          <p:nvPr/>
+        </p:nvSpPr>
+        <p:spPr>
+          <a:xfrm>
+            <a:off x="3498970" y="1593036"/>
+            <a:ext cx="4891404" cy="523220"/>
+          </a:xfrm>
+          <a:prstGeom prst="rect">
+            <a:avLst/>
+          </a:prstGeom>
+          <a:noFill/>
+        </p:spPr>
+        <p:txBody>
+          <a:bodyPr wrap="none" rtlCol="0">
+            <a:spAutoFit/>
+          </a:bodyPr>
+          <a:lstStyle/>
+          <a:p>
+            <a:r>
+              <a:rPr lang="en-US" altLang="ko-KR" sz="2800" dirty="0">
+                <a:solidFill>
+                  <a:schemeClr val="accent2"/>
+                </a:solidFill>
+              </a:rPr>
+              <a:t>Difference of two sample means</a:t>
+            </a:r>
+            <a:endParaRPr lang="ko-KR" altLang="en-US" sz="2800" dirty="0">
+              <a:solidFill>
+                <a:schemeClr val="accent2"/>
+              </a:solidFill>
+            </a:endParaRPr>
+          </a:p>
+        </p:txBody>
+      </p:sp>
+      <p:sp>
+        <p:nvSpPr>
+          <p:cNvPr id="8" name="사각형: 둥근 모서리 7">
+            <a:extLst>
+              <a:ext uri="{FF2B5EF4-FFF2-40B4-BE49-F238E27FC236}">
+                <a16:creationId xmlns:a16="http://schemas.microsoft.com/office/drawing/2014/main" id="{C9189074-32B1-4A02-B1FB-D9144D6A1906}"/>
+              </a:ext>
+            </a:extLst>
+          </p:cNvPr>
+          <p:cNvSpPr/>
+          <p:nvPr/>
+        </p:nvSpPr>
+        <p:spPr>
+          <a:xfrm>
+            <a:off x="4438835" y="3634366"/>
+            <a:ext cx="2672179" cy="1194929"/>
+          </a:xfrm>
+          <a:prstGeom prst="roundRect">
+            <a:avLst/>
+          </a:prstGeom>
+          <a:noFill/>
+          <a:ln w="38100">
+            <a:solidFill>
+              <a:schemeClr val="accent6"/>
+            </a:solidFill>
+            <a:prstDash val="dash"/>
+          </a:ln>
+        </p:spPr>
+        <p:style>
+          <a:lnRef idx="2">
+            <a:schemeClr val="accent1">
+              <a:shade val="50000"/>
+            </a:schemeClr>
+          </a:lnRef>
+          <a:fillRef idx="1">
+            <a:schemeClr val="accent1"/>
+          </a:fillRef>
+          <a:effectRef idx="0">
+            <a:schemeClr val="accent1"/>
+          </a:effectRef>
+          <a:fontRef idx="minor">
+            <a:schemeClr val="lt1"/>
+          </a:fontRef>
+        </p:style>
+        <p:txBody>
+          <a:bodyPr rtlCol="0" anchor="ctr"/>
+          <a:lstStyle/>
+          <a:p>
+            <a:pPr algn="ctr"/>
+            <a:endParaRPr lang="ko-KR" altLang="en-US"/>
+          </a:p>
+        </p:txBody>
+      </p:sp>
+      <p:sp>
+        <p:nvSpPr>
+          <p:cNvPr id="9" name="TextBox 8">
+            <a:extLst>
+              <a:ext uri="{FF2B5EF4-FFF2-40B4-BE49-F238E27FC236}">
+                <a16:creationId xmlns:a16="http://schemas.microsoft.com/office/drawing/2014/main" id="{1F86B288-1C9F-4E2C-B891-CD0BAE381D16}"/>
+              </a:ext>
+            </a:extLst>
+          </p:cNvPr>
+          <p:cNvSpPr txBox="1"/>
+          <p:nvPr/>
+        </p:nvSpPr>
+        <p:spPr>
+          <a:xfrm>
+            <a:off x="3345252" y="4911940"/>
+            <a:ext cx="4859344" cy="954107"/>
+          </a:xfrm>
+          <a:prstGeom prst="rect">
+            <a:avLst/>
+          </a:prstGeom>
+          <a:noFill/>
+        </p:spPr>
+        <p:txBody>
+          <a:bodyPr wrap="none" rtlCol="0">
+            <a:spAutoFit/>
+          </a:bodyPr>
+          <a:lstStyle/>
+          <a:p>
+            <a:pPr algn="ctr"/>
+            <a:r>
+              <a:rPr lang="en-US" altLang="ko-KR" sz="2800" dirty="0">
+                <a:solidFill>
+                  <a:schemeClr val="accent6"/>
+                </a:solidFill>
+              </a:rPr>
+              <a:t>Uncertainty on</a:t>
+            </a:r>
+          </a:p>
+          <a:p>
+            <a:pPr algn="ctr"/>
+            <a:r>
+              <a:rPr lang="en-US" altLang="ko-KR" sz="2800" dirty="0">
+                <a:solidFill>
+                  <a:schemeClr val="accent6"/>
+                </a:solidFill>
+              </a:rPr>
+              <a:t>difference of two sample means</a:t>
+            </a:r>
+            <a:endParaRPr lang="ko-KR" altLang="en-US" sz="2800" dirty="0">
+              <a:solidFill>
+                <a:schemeClr val="accent6"/>
+              </a:solidFill>
+            </a:endParaRPr>
+          </a:p>
+        </p:txBody>
+      </p:sp>
+      <p:sp>
+        <p:nvSpPr>
+          <p:cNvPr id="10" name="TextBox 9">
+            <a:extLst>
+              <a:ext uri="{FF2B5EF4-FFF2-40B4-BE49-F238E27FC236}">
+                <a16:creationId xmlns:a16="http://schemas.microsoft.com/office/drawing/2014/main" id="{EB52B2B1-E82B-41DB-8FAA-67F462520356}"/>
+              </a:ext>
+            </a:extLst>
+          </p:cNvPr>
+          <p:cNvSpPr txBox="1"/>
+          <p:nvPr/>
+        </p:nvSpPr>
+        <p:spPr>
+          <a:xfrm>
+            <a:off x="110896" y="2055421"/>
+            <a:ext cx="3718133" cy="954107"/>
+          </a:xfrm>
+          <a:prstGeom prst="rect">
+            <a:avLst/>
+          </a:prstGeom>
+          <a:noFill/>
+        </p:spPr>
+        <p:txBody>
+          <a:bodyPr wrap="none" rtlCol="0">
+            <a:spAutoFit/>
+          </a:bodyPr>
+          <a:lstStyle/>
+          <a:p>
+            <a:pPr algn="ctr"/>
+            <a:r>
+              <a:rPr lang="en-US" altLang="ko-KR" sz="2800" dirty="0">
+                <a:solidFill>
+                  <a:schemeClr val="accent1"/>
+                </a:solidFill>
+              </a:rPr>
+              <a:t>A statistical metric on</a:t>
+            </a:r>
+          </a:p>
+          <a:p>
+            <a:pPr algn="ctr"/>
+            <a:r>
+              <a:rPr lang="en-US" altLang="ko-KR" sz="2800" dirty="0">
+                <a:solidFill>
+                  <a:schemeClr val="accent1"/>
+                </a:solidFill>
+              </a:rPr>
+              <a:t>Sample mean difference</a:t>
+            </a:r>
+            <a:endParaRPr lang="ko-KR" altLang="en-US" sz="2800" dirty="0">
+              <a:solidFill>
+                <a:schemeClr val="accent1"/>
+              </a:solidFill>
+            </a:endParaRPr>
+          </a:p>
+        </p:txBody>
+      </p:sp>
+      <p:sp>
+        <p:nvSpPr>
+          <p:cNvPr id="11" name="타원 10">
+            <a:extLst>
+              <a:ext uri="{FF2B5EF4-FFF2-40B4-BE49-F238E27FC236}">
+                <a16:creationId xmlns:a16="http://schemas.microsoft.com/office/drawing/2014/main" id="{BD4EB803-9313-4680-82FD-41274E7585FC}"/>
+              </a:ext>
+            </a:extLst>
+          </p:cNvPr>
+          <p:cNvSpPr/>
+          <p:nvPr/>
+        </p:nvSpPr>
+        <p:spPr>
+          <a:xfrm>
+            <a:off x="2701976" y="3009528"/>
+            <a:ext cx="801332" cy="948893"/>
+          </a:xfrm>
+          <a:prstGeom prst="ellipse">
+            <a:avLst/>
+          </a:prstGeom>
+          <a:noFill/>
+          <a:ln w="28575">
+            <a:solidFill>
+              <a:schemeClr val="accent1"/>
+            </a:solidFill>
+            <a:prstDash val="dash"/>
+          </a:ln>
+        </p:spPr>
+        <p:style>
+          <a:lnRef idx="2">
+            <a:schemeClr val="accent1">
+              <a:shade val="50000"/>
+            </a:schemeClr>
+          </a:lnRef>
+          <a:fillRef idx="1">
+            <a:schemeClr val="accent1"/>
+          </a:fillRef>
+          <a:effectRef idx="0">
+            <a:schemeClr val="accent1"/>
+          </a:effectRef>
+          <a:fontRef idx="minor">
+            <a:schemeClr val="lt1"/>
+          </a:fontRef>
+        </p:style>
+        <p:txBody>
+          <a:bodyPr rtlCol="0" anchor="ctr"/>
+          <a:lstStyle/>
+          <a:p>
+            <a:pPr algn="ctr"/>
+            <a:endParaRPr lang="ko-KR" altLang="en-US"/>
+          </a:p>
+        </p:txBody>
+      </p:sp>
+    </p:spTree>
+    <p:extLst>
+      <p:ext uri="{BB962C8B-B14F-4D97-AF65-F5344CB8AC3E}">
+        <p14:creationId xmlns:p14="http://schemas.microsoft.com/office/powerpoint/2010/main" val="1788056555"/>
+      </p:ext>
+    </p:extLst>
+  </p:cSld>
+  <p:clrMapOvr>
+    <a:masterClrMapping/>
+  </p:clrMapOvr>
+</p:sld>
+</file>
+
+<file path=ppt/slides/slide3.xml><?xml version="1.0" encoding="utf-8"?>
 <p:sld xmlns:a="http://schemas.openxmlformats.org/drawingml/2006/main" xmlns:r="http://schemas.openxmlformats.org/officeDocument/2006/relationships" xmlns:p="http://schemas.openxmlformats.org/presentationml/2006/main">
   <p:cSld>
     <p:spTree>
